--- a/Team7Project.pptx
+++ b/Team7Project.pptx
@@ -6,17 +6,25 @@
     <p:sldMasterId id="2147483650" r:id="rId2"/>
   </p:sldMasterIdLst>
   <p:notesMasterIdLst>
-    <p:notesMasterId r:id="rId8"/>
+    <p:notesMasterId r:id="rId16"/>
   </p:notesMasterIdLst>
   <p:handoutMasterIdLst>
-    <p:handoutMasterId r:id="rId9"/>
+    <p:handoutMasterId r:id="rId17"/>
   </p:handoutMasterIdLst>
   <p:sldIdLst>
     <p:sldId id="256" r:id="rId3"/>
     <p:sldId id="257" r:id="rId4"/>
     <p:sldId id="259" r:id="rId5"/>
     <p:sldId id="260" r:id="rId6"/>
-    <p:sldId id="261" r:id="rId7"/>
+    <p:sldId id="262" r:id="rId7"/>
+    <p:sldId id="263" r:id="rId8"/>
+    <p:sldId id="264" r:id="rId9"/>
+    <p:sldId id="265" r:id="rId10"/>
+    <p:sldId id="268" r:id="rId11"/>
+    <p:sldId id="269" r:id="rId12"/>
+    <p:sldId id="267" r:id="rId13"/>
+    <p:sldId id="266" r:id="rId14"/>
+    <p:sldId id="261" r:id="rId15"/>
   </p:sldIdLst>
   <p:sldSz cx="9144000" cy="6858000" type="screen4x3"/>
   <p:notesSz cx="6858000" cy="9144000"/>
@@ -6297,6 +6305,1236 @@
 </p:sld>
 </file>
 
+<file path=ppt/slides/slide10.xml><?xml version="1.0" encoding="utf-8"?>
+<p:sld xmlns:a="http://schemas.openxmlformats.org/drawingml/2006/main" xmlns:r="http://schemas.openxmlformats.org/officeDocument/2006/relationships" xmlns:p="http://schemas.openxmlformats.org/presentationml/2006/main">
+  <p:cSld>
+    <p:spTree>
+      <p:nvGrpSpPr>
+        <p:cNvPr id="1" name=""/>
+        <p:cNvGrpSpPr/>
+        <p:nvPr/>
+      </p:nvGrpSpPr>
+      <p:grpSpPr>
+        <a:xfrm>
+          <a:off x="0" y="0"/>
+          <a:ext cx="0" cy="0"/>
+          <a:chOff x="0" y="0"/>
+          <a:chExt cx="0" cy="0"/>
+        </a:xfrm>
+      </p:grpSpPr>
+      <p:sp>
+        <p:nvSpPr>
+          <p:cNvPr id="195586" name="Rectangle 2"/>
+          <p:cNvSpPr>
+            <a:spLocks noGrp="1" noChangeArrowheads="1"/>
+          </p:cNvSpPr>
+          <p:nvPr>
+            <p:ph type="title"/>
+          </p:nvPr>
+        </p:nvSpPr>
+        <p:spPr>
+          <a:xfrm>
+            <a:off x="1908175" y="404813"/>
+            <a:ext cx="6767513" cy="1079500"/>
+          </a:xfrm>
+        </p:spPr>
+        <p:txBody>
+          <a:bodyPr/>
+          <a:lstStyle/>
+          <a:p>
+            <a:r>
+              <a:rPr lang="en-US" sz="2300" dirty="0"/>
+              <a:t>Plotting the Data:</a:t>
+            </a:r>
+            <a:br>
+              <a:rPr lang="en-US" sz="2300" dirty="0"/>
+            </a:br>
+            <a:r>
+              <a:rPr lang="en-US" sz="2300" dirty="0"/>
+              <a:t>Weather Conditions the Day a Fire Starts – Wind Speed</a:t>
+            </a:r>
+          </a:p>
+        </p:txBody>
+      </p:sp>
+      <p:sp>
+        <p:nvSpPr>
+          <p:cNvPr id="195587" name="Rectangle 3"/>
+          <p:cNvSpPr>
+            <a:spLocks noGrp="1" noChangeArrowheads="1"/>
+          </p:cNvSpPr>
+          <p:nvPr>
+            <p:ph type="body" idx="1"/>
+          </p:nvPr>
+        </p:nvSpPr>
+        <p:spPr>
+          <a:xfrm>
+            <a:off x="1908175" y="1700213"/>
+            <a:ext cx="6778625" cy="4968875"/>
+          </a:xfrm>
+        </p:spPr>
+        <p:txBody>
+          <a:bodyPr/>
+          <a:lstStyle/>
+          <a:p>
+            <a:pPr>
+              <a:lnSpc>
+                <a:spcPct val="80000"/>
+              </a:lnSpc>
+            </a:pPr>
+            <a:r>
+              <a:rPr lang="en-US" sz="1600" dirty="0"/>
+              <a:t>Does the daily weather conditions increase</a:t>
+            </a:r>
+          </a:p>
+          <a:p>
+            <a:pPr marL="457200" lvl="1" indent="0">
+              <a:lnSpc>
+                <a:spcPct val="80000"/>
+              </a:lnSpc>
+              <a:buNone/>
+            </a:pPr>
+            <a:r>
+              <a:rPr lang="en-US" sz="1600" dirty="0"/>
+              <a:t>the likelihood a fire will break out?</a:t>
+            </a:r>
+          </a:p>
+          <a:p>
+            <a:pPr marL="457200" lvl="1" indent="0">
+              <a:lnSpc>
+                <a:spcPct val="80000"/>
+              </a:lnSpc>
+              <a:buNone/>
+            </a:pPr>
+            <a:r>
+              <a:rPr lang="en-US" sz="1600" dirty="0"/>
+              <a:t> </a:t>
+            </a:r>
+          </a:p>
+          <a:p>
+            <a:pPr>
+              <a:lnSpc>
+                <a:spcPct val="80000"/>
+              </a:lnSpc>
+            </a:pPr>
+            <a:r>
+              <a:rPr lang="en-US" sz="1600" dirty="0"/>
+              <a:t>Do higher wind speeds lead to fires? </a:t>
+            </a:r>
+          </a:p>
+          <a:p>
+            <a:pPr marL="0" indent="0">
+              <a:lnSpc>
+                <a:spcPct val="80000"/>
+              </a:lnSpc>
+              <a:buNone/>
+            </a:pPr>
+            <a:endParaRPr lang="en-US" sz="1600" dirty="0"/>
+          </a:p>
+          <a:p>
+            <a:pPr marL="0" indent="0">
+              <a:lnSpc>
+                <a:spcPct val="80000"/>
+              </a:lnSpc>
+              <a:buNone/>
+            </a:pPr>
+            <a:r>
+              <a:rPr lang="en-US" sz="1600" dirty="0"/>
+              <a:t>Conclusion:</a:t>
+            </a:r>
+          </a:p>
+          <a:p>
+            <a:pPr marL="0" indent="0">
+              <a:lnSpc>
+                <a:spcPct val="80000"/>
+              </a:lnSpc>
+              <a:buNone/>
+            </a:pPr>
+            <a:endParaRPr lang="en-US" sz="1600" dirty="0"/>
+          </a:p>
+          <a:p>
+            <a:pPr marL="0" indent="0">
+              <a:lnSpc>
+                <a:spcPct val="80000"/>
+              </a:lnSpc>
+              <a:buNone/>
+            </a:pPr>
+            <a:r>
+              <a:rPr lang="en-US" sz="1600" dirty="0"/>
+              <a:t>No, higher wind speeds do not lead to a </a:t>
+            </a:r>
+          </a:p>
+          <a:p>
+            <a:pPr marL="0" indent="0">
+              <a:lnSpc>
+                <a:spcPct val="80000"/>
+              </a:lnSpc>
+              <a:buNone/>
+            </a:pPr>
+            <a:r>
+              <a:rPr lang="en-US" sz="1600" dirty="0"/>
+              <a:t>greater chance a fire will break out.</a:t>
+            </a:r>
+          </a:p>
+          <a:p>
+            <a:pPr marL="0" indent="0">
+              <a:lnSpc>
+                <a:spcPct val="80000"/>
+              </a:lnSpc>
+              <a:buNone/>
+            </a:pPr>
+            <a:endParaRPr lang="en-US" sz="1400" dirty="0"/>
+          </a:p>
+          <a:p>
+            <a:pPr marL="0" indent="0">
+              <a:lnSpc>
+                <a:spcPct val="80000"/>
+              </a:lnSpc>
+              <a:buNone/>
+            </a:pPr>
+            <a:endParaRPr lang="en-US" sz="1400" dirty="0"/>
+          </a:p>
+          <a:p>
+            <a:pPr marL="0" indent="0">
+              <a:lnSpc>
+                <a:spcPct val="80000"/>
+              </a:lnSpc>
+              <a:buNone/>
+            </a:pPr>
+            <a:endParaRPr lang="en-US" sz="1400" dirty="0"/>
+          </a:p>
+          <a:p>
+            <a:pPr marL="0" indent="0">
+              <a:lnSpc>
+                <a:spcPct val="80000"/>
+              </a:lnSpc>
+              <a:buNone/>
+            </a:pPr>
+            <a:endParaRPr lang="en-US" sz="1400" dirty="0"/>
+          </a:p>
+          <a:p>
+            <a:pPr marL="0" indent="0">
+              <a:lnSpc>
+                <a:spcPct val="80000"/>
+              </a:lnSpc>
+              <a:buNone/>
+            </a:pPr>
+            <a:endParaRPr lang="en-US" dirty="0"/>
+          </a:p>
+          <a:p>
+            <a:pPr marL="0" indent="0">
+              <a:lnSpc>
+                <a:spcPct val="80000"/>
+              </a:lnSpc>
+              <a:buNone/>
+            </a:pPr>
+            <a:endParaRPr lang="en-US" dirty="0"/>
+          </a:p>
+        </p:txBody>
+      </p:sp>
+      <p:pic>
+        <p:nvPicPr>
+          <p:cNvPr id="12" name="Picture 11">
+            <a:extLst>
+              <a:ext uri="{FF2B5EF4-FFF2-40B4-BE49-F238E27FC236}">
+                <a16:creationId xmlns:a16="http://schemas.microsoft.com/office/drawing/2014/main" id="{1316926A-1F5E-F54A-8730-EF40B07C632D}"/>
+              </a:ext>
+            </a:extLst>
+          </p:cNvPr>
+          <p:cNvPicPr>
+            <a:picLocks noChangeAspect="1"/>
+          </p:cNvPicPr>
+          <p:nvPr/>
+        </p:nvPicPr>
+        <p:blipFill>
+          <a:blip r:embed="rId2">
+            <a:extLst>
+              <a:ext uri="{28A0092B-C50C-407E-A947-70E740481C1C}">
+                <a14:useLocalDpi xmlns:a14="http://schemas.microsoft.com/office/drawing/2010/main" val="0"/>
+              </a:ext>
+            </a:extLst>
+          </a:blip>
+          <a:stretch>
+            <a:fillRect/>
+          </a:stretch>
+        </p:blipFill>
+        <p:spPr>
+          <a:xfrm>
+            <a:off x="6444208" y="4908375"/>
+            <a:ext cx="2468880" cy="1645920"/>
+          </a:xfrm>
+          <a:prstGeom prst="rect">
+            <a:avLst/>
+          </a:prstGeom>
+        </p:spPr>
+      </p:pic>
+      <p:pic>
+        <p:nvPicPr>
+          <p:cNvPr id="14" name="Picture 13">
+            <a:extLst>
+              <a:ext uri="{FF2B5EF4-FFF2-40B4-BE49-F238E27FC236}">
+                <a16:creationId xmlns:a16="http://schemas.microsoft.com/office/drawing/2014/main" id="{3723D74B-DED5-5E43-9E82-D31E0DEE45D7}"/>
+              </a:ext>
+            </a:extLst>
+          </p:cNvPr>
+          <p:cNvPicPr>
+            <a:picLocks noChangeAspect="1"/>
+          </p:cNvPicPr>
+          <p:nvPr/>
+        </p:nvPicPr>
+        <p:blipFill>
+          <a:blip r:embed="rId3">
+            <a:extLst>
+              <a:ext uri="{28A0092B-C50C-407E-A947-70E740481C1C}">
+                <a14:useLocalDpi xmlns:a14="http://schemas.microsoft.com/office/drawing/2010/main" val="0"/>
+              </a:ext>
+            </a:extLst>
+          </a:blip>
+          <a:stretch>
+            <a:fillRect/>
+          </a:stretch>
+        </p:blipFill>
+        <p:spPr>
+          <a:xfrm>
+            <a:off x="6444208" y="3147662"/>
+            <a:ext cx="2468880" cy="1645920"/>
+          </a:xfrm>
+          <a:prstGeom prst="rect">
+            <a:avLst/>
+          </a:prstGeom>
+        </p:spPr>
+      </p:pic>
+      <p:pic>
+        <p:nvPicPr>
+          <p:cNvPr id="16" name="Picture 15">
+            <a:extLst>
+              <a:ext uri="{FF2B5EF4-FFF2-40B4-BE49-F238E27FC236}">
+                <a16:creationId xmlns:a16="http://schemas.microsoft.com/office/drawing/2014/main" id="{A4B50AD7-78E5-1F4B-B560-D89CC938DC64}"/>
+              </a:ext>
+            </a:extLst>
+          </p:cNvPr>
+          <p:cNvPicPr>
+            <a:picLocks noChangeAspect="1"/>
+          </p:cNvPicPr>
+          <p:nvPr/>
+        </p:nvPicPr>
+        <p:blipFill>
+          <a:blip r:embed="rId4">
+            <a:extLst>
+              <a:ext uri="{28A0092B-C50C-407E-A947-70E740481C1C}">
+                <a14:useLocalDpi xmlns:a14="http://schemas.microsoft.com/office/drawing/2010/main" val="0"/>
+              </a:ext>
+            </a:extLst>
+          </a:blip>
+          <a:stretch>
+            <a:fillRect/>
+          </a:stretch>
+        </p:blipFill>
+        <p:spPr>
+          <a:xfrm>
+            <a:off x="6444208" y="1447767"/>
+            <a:ext cx="2468880" cy="1645920"/>
+          </a:xfrm>
+          <a:prstGeom prst="rect">
+            <a:avLst/>
+          </a:prstGeom>
+        </p:spPr>
+      </p:pic>
+    </p:spTree>
+    <p:extLst>
+      <p:ext uri="{BB962C8B-B14F-4D97-AF65-F5344CB8AC3E}">
+        <p14:creationId xmlns:p14="http://schemas.microsoft.com/office/powerpoint/2010/main" val="594727541"/>
+      </p:ext>
+    </p:extLst>
+  </p:cSld>
+  <p:clrMapOvr>
+    <a:masterClrMapping/>
+  </p:clrMapOvr>
+</p:sld>
+</file>
+
+<file path=ppt/slides/slide11.xml><?xml version="1.0" encoding="utf-8"?>
+<p:sld xmlns:a="http://schemas.openxmlformats.org/drawingml/2006/main" xmlns:r="http://schemas.openxmlformats.org/officeDocument/2006/relationships" xmlns:p="http://schemas.openxmlformats.org/presentationml/2006/main">
+  <p:cSld>
+    <p:spTree>
+      <p:nvGrpSpPr>
+        <p:cNvPr id="1" name=""/>
+        <p:cNvGrpSpPr/>
+        <p:nvPr/>
+      </p:nvGrpSpPr>
+      <p:grpSpPr>
+        <a:xfrm>
+          <a:off x="0" y="0"/>
+          <a:ext cx="0" cy="0"/>
+          <a:chOff x="0" y="0"/>
+          <a:chExt cx="0" cy="0"/>
+        </a:xfrm>
+      </p:grpSpPr>
+      <p:sp>
+        <p:nvSpPr>
+          <p:cNvPr id="195586" name="Rectangle 2"/>
+          <p:cNvSpPr>
+            <a:spLocks noGrp="1" noChangeArrowheads="1"/>
+          </p:cNvSpPr>
+          <p:nvPr>
+            <p:ph type="title"/>
+          </p:nvPr>
+        </p:nvSpPr>
+        <p:spPr>
+          <a:xfrm>
+            <a:off x="1908175" y="404813"/>
+            <a:ext cx="6767513" cy="1079500"/>
+          </a:xfrm>
+        </p:spPr>
+        <p:txBody>
+          <a:bodyPr/>
+          <a:lstStyle/>
+          <a:p>
+            <a:r>
+              <a:rPr lang="en-US" sz="2400" dirty="0"/>
+              <a:t>Plotting the Data:</a:t>
+            </a:r>
+            <a:br>
+              <a:rPr lang="en-US" sz="2400" dirty="0"/>
+            </a:br>
+            <a:r>
+              <a:rPr lang="en-US" sz="2400" dirty="0"/>
+              <a:t>Size of Fire vs Wind Speed</a:t>
+            </a:r>
+          </a:p>
+        </p:txBody>
+      </p:sp>
+      <p:sp>
+        <p:nvSpPr>
+          <p:cNvPr id="195587" name="Rectangle 3"/>
+          <p:cNvSpPr>
+            <a:spLocks noGrp="1" noChangeArrowheads="1"/>
+          </p:cNvSpPr>
+          <p:nvPr>
+            <p:ph type="body" idx="1"/>
+          </p:nvPr>
+        </p:nvSpPr>
+        <p:spPr>
+          <a:xfrm>
+            <a:off x="1908175" y="1700213"/>
+            <a:ext cx="6778625" cy="4968875"/>
+          </a:xfrm>
+        </p:spPr>
+        <p:txBody>
+          <a:bodyPr/>
+          <a:lstStyle/>
+          <a:p>
+            <a:pPr>
+              <a:lnSpc>
+                <a:spcPct val="80000"/>
+              </a:lnSpc>
+            </a:pPr>
+            <a:r>
+              <a:rPr lang="en-US" sz="1600" dirty="0"/>
+              <a:t>Is there a relationship of wind speed on the</a:t>
+            </a:r>
+          </a:p>
+          <a:p>
+            <a:pPr marL="457200" lvl="1" indent="0">
+              <a:lnSpc>
+                <a:spcPct val="80000"/>
+              </a:lnSpc>
+              <a:buNone/>
+            </a:pPr>
+            <a:r>
+              <a:rPr lang="en-US" sz="1600" dirty="0"/>
+              <a:t>day a fire starts to the size of a fire in </a:t>
+            </a:r>
+          </a:p>
+          <a:p>
+            <a:pPr marL="457200" lvl="1" indent="0">
+              <a:lnSpc>
+                <a:spcPct val="80000"/>
+              </a:lnSpc>
+              <a:buNone/>
+            </a:pPr>
+            <a:r>
+              <a:rPr lang="en-US" sz="1600" dirty="0"/>
+              <a:t>acres burned? </a:t>
+            </a:r>
+          </a:p>
+          <a:p>
+            <a:pPr marL="457200" lvl="1" indent="0">
+              <a:lnSpc>
+                <a:spcPct val="80000"/>
+              </a:lnSpc>
+              <a:buNone/>
+            </a:pPr>
+            <a:r>
+              <a:rPr lang="en-US" sz="1600" dirty="0"/>
+              <a:t> </a:t>
+            </a:r>
+          </a:p>
+          <a:p>
+            <a:pPr>
+              <a:lnSpc>
+                <a:spcPct val="80000"/>
+              </a:lnSpc>
+            </a:pPr>
+            <a:r>
+              <a:rPr lang="en-US" sz="1600" dirty="0"/>
+              <a:t>Do windier conditions lead to larger fires? </a:t>
+            </a:r>
+          </a:p>
+          <a:p>
+            <a:pPr marL="0" indent="0">
+              <a:lnSpc>
+                <a:spcPct val="80000"/>
+              </a:lnSpc>
+              <a:buNone/>
+            </a:pPr>
+            <a:endParaRPr lang="en-US" sz="1600" dirty="0"/>
+          </a:p>
+          <a:p>
+            <a:pPr marL="0" indent="0">
+              <a:lnSpc>
+                <a:spcPct val="80000"/>
+              </a:lnSpc>
+              <a:buNone/>
+            </a:pPr>
+            <a:r>
+              <a:rPr lang="en-US" sz="1600" dirty="0"/>
+              <a:t>Conclusion:</a:t>
+            </a:r>
+          </a:p>
+          <a:p>
+            <a:pPr marL="0" indent="0">
+              <a:lnSpc>
+                <a:spcPct val="80000"/>
+              </a:lnSpc>
+              <a:buNone/>
+            </a:pPr>
+            <a:endParaRPr lang="en-US" sz="1600" dirty="0"/>
+          </a:p>
+          <a:p>
+            <a:pPr marL="0" indent="0">
+              <a:lnSpc>
+                <a:spcPct val="80000"/>
+              </a:lnSpc>
+              <a:buNone/>
+            </a:pPr>
+            <a:r>
+              <a:rPr lang="en-US" sz="1600" dirty="0"/>
+              <a:t>No, based on this data, higher winds do not </a:t>
+            </a:r>
+          </a:p>
+          <a:p>
+            <a:pPr marL="0" indent="0">
+              <a:lnSpc>
+                <a:spcPct val="80000"/>
+              </a:lnSpc>
+              <a:buNone/>
+            </a:pPr>
+            <a:r>
+              <a:rPr lang="en-US" sz="1600" dirty="0"/>
+              <a:t>lead to larger fires. </a:t>
+            </a:r>
+          </a:p>
+          <a:p>
+            <a:pPr marL="0" indent="0">
+              <a:lnSpc>
+                <a:spcPct val="80000"/>
+              </a:lnSpc>
+              <a:buNone/>
+            </a:pPr>
+            <a:endParaRPr lang="en-US" sz="1400" dirty="0"/>
+          </a:p>
+          <a:p>
+            <a:pPr marL="0" indent="0">
+              <a:lnSpc>
+                <a:spcPct val="80000"/>
+              </a:lnSpc>
+              <a:buNone/>
+            </a:pPr>
+            <a:endParaRPr lang="en-US" sz="1400" dirty="0"/>
+          </a:p>
+          <a:p>
+            <a:pPr marL="0" indent="0">
+              <a:lnSpc>
+                <a:spcPct val="80000"/>
+              </a:lnSpc>
+              <a:buNone/>
+            </a:pPr>
+            <a:endParaRPr lang="en-US" sz="1400" dirty="0"/>
+          </a:p>
+          <a:p>
+            <a:pPr marL="0" indent="0">
+              <a:lnSpc>
+                <a:spcPct val="80000"/>
+              </a:lnSpc>
+              <a:buNone/>
+            </a:pPr>
+            <a:endParaRPr lang="en-US" sz="1400" dirty="0"/>
+          </a:p>
+          <a:p>
+            <a:pPr marL="0" indent="0">
+              <a:lnSpc>
+                <a:spcPct val="80000"/>
+              </a:lnSpc>
+              <a:buNone/>
+            </a:pPr>
+            <a:endParaRPr lang="en-US" dirty="0"/>
+          </a:p>
+          <a:p>
+            <a:pPr marL="0" indent="0">
+              <a:lnSpc>
+                <a:spcPct val="80000"/>
+              </a:lnSpc>
+              <a:buNone/>
+            </a:pPr>
+            <a:endParaRPr lang="en-US" dirty="0"/>
+          </a:p>
+        </p:txBody>
+      </p:sp>
+      <p:pic>
+        <p:nvPicPr>
+          <p:cNvPr id="3" name="Picture 2">
+            <a:extLst>
+              <a:ext uri="{FF2B5EF4-FFF2-40B4-BE49-F238E27FC236}">
+                <a16:creationId xmlns:a16="http://schemas.microsoft.com/office/drawing/2014/main" id="{D2BADBAE-13D4-374C-A4F7-82BB4D1D2DDC}"/>
+              </a:ext>
+            </a:extLst>
+          </p:cNvPr>
+          <p:cNvPicPr>
+            <a:picLocks noChangeAspect="1"/>
+          </p:cNvPicPr>
+          <p:nvPr/>
+        </p:nvPicPr>
+        <p:blipFill>
+          <a:blip r:embed="rId2">
+            <a:extLst>
+              <a:ext uri="{28A0092B-C50C-407E-A947-70E740481C1C}">
+                <a14:useLocalDpi xmlns:a14="http://schemas.microsoft.com/office/drawing/2010/main" val="0"/>
+              </a:ext>
+            </a:extLst>
+          </a:blip>
+          <a:stretch>
+            <a:fillRect/>
+          </a:stretch>
+        </p:blipFill>
+        <p:spPr>
+          <a:xfrm>
+            <a:off x="6444208" y="1538996"/>
+            <a:ext cx="2468880" cy="1645920"/>
+          </a:xfrm>
+          <a:prstGeom prst="rect">
+            <a:avLst/>
+          </a:prstGeom>
+        </p:spPr>
+      </p:pic>
+      <p:pic>
+        <p:nvPicPr>
+          <p:cNvPr id="5" name="Picture 4">
+            <a:extLst>
+              <a:ext uri="{FF2B5EF4-FFF2-40B4-BE49-F238E27FC236}">
+                <a16:creationId xmlns:a16="http://schemas.microsoft.com/office/drawing/2014/main" id="{CD8D6AEE-7280-D646-B82B-40FAEE435F6D}"/>
+              </a:ext>
+            </a:extLst>
+          </p:cNvPr>
+          <p:cNvPicPr>
+            <a:picLocks noChangeAspect="1"/>
+          </p:cNvPicPr>
+          <p:nvPr/>
+        </p:nvPicPr>
+        <p:blipFill>
+          <a:blip r:embed="rId3">
+            <a:extLst>
+              <a:ext uri="{28A0092B-C50C-407E-A947-70E740481C1C}">
+                <a14:useLocalDpi xmlns:a14="http://schemas.microsoft.com/office/drawing/2010/main" val="0"/>
+              </a:ext>
+            </a:extLst>
+          </a:blip>
+          <a:stretch>
+            <a:fillRect/>
+          </a:stretch>
+        </p:blipFill>
+        <p:spPr>
+          <a:xfrm>
+            <a:off x="6444208" y="3239599"/>
+            <a:ext cx="2468880" cy="1645920"/>
+          </a:xfrm>
+          <a:prstGeom prst="rect">
+            <a:avLst/>
+          </a:prstGeom>
+        </p:spPr>
+      </p:pic>
+      <p:pic>
+        <p:nvPicPr>
+          <p:cNvPr id="7" name="Picture 6">
+            <a:extLst>
+              <a:ext uri="{FF2B5EF4-FFF2-40B4-BE49-F238E27FC236}">
+                <a16:creationId xmlns:a16="http://schemas.microsoft.com/office/drawing/2014/main" id="{19D531D8-FCEC-E94D-B177-BA3461754B50}"/>
+              </a:ext>
+            </a:extLst>
+          </p:cNvPr>
+          <p:cNvPicPr>
+            <a:picLocks noChangeAspect="1"/>
+          </p:cNvPicPr>
+          <p:nvPr/>
+        </p:nvPicPr>
+        <p:blipFill>
+          <a:blip r:embed="rId4">
+            <a:extLst>
+              <a:ext uri="{28A0092B-C50C-407E-A947-70E740481C1C}">
+                <a14:useLocalDpi xmlns:a14="http://schemas.microsoft.com/office/drawing/2010/main" val="0"/>
+              </a:ext>
+            </a:extLst>
+          </a:blip>
+          <a:stretch>
+            <a:fillRect/>
+          </a:stretch>
+        </p:blipFill>
+        <p:spPr>
+          <a:xfrm>
+            <a:off x="6444208" y="4940202"/>
+            <a:ext cx="2468880" cy="1645920"/>
+          </a:xfrm>
+          <a:prstGeom prst="rect">
+            <a:avLst/>
+          </a:prstGeom>
+        </p:spPr>
+      </p:pic>
+    </p:spTree>
+    <p:extLst>
+      <p:ext uri="{BB962C8B-B14F-4D97-AF65-F5344CB8AC3E}">
+        <p14:creationId xmlns:p14="http://schemas.microsoft.com/office/powerpoint/2010/main" val="3496881699"/>
+      </p:ext>
+    </p:extLst>
+  </p:cSld>
+  <p:clrMapOvr>
+    <a:masterClrMapping/>
+  </p:clrMapOvr>
+</p:sld>
+</file>
+
+<file path=ppt/slides/slide12.xml><?xml version="1.0" encoding="utf-8"?>
+<p:sld xmlns:a="http://schemas.openxmlformats.org/drawingml/2006/main" xmlns:r="http://schemas.openxmlformats.org/officeDocument/2006/relationships" xmlns:p="http://schemas.openxmlformats.org/presentationml/2006/main">
+  <p:cSld>
+    <p:spTree>
+      <p:nvGrpSpPr>
+        <p:cNvPr id="1" name=""/>
+        <p:cNvGrpSpPr/>
+        <p:nvPr/>
+      </p:nvGrpSpPr>
+      <p:grpSpPr>
+        <a:xfrm>
+          <a:off x="0" y="0"/>
+          <a:ext cx="0" cy="0"/>
+          <a:chOff x="0" y="0"/>
+          <a:chExt cx="0" cy="0"/>
+        </a:xfrm>
+      </p:grpSpPr>
+      <p:sp>
+        <p:nvSpPr>
+          <p:cNvPr id="195586" name="Rectangle 2"/>
+          <p:cNvSpPr>
+            <a:spLocks noGrp="1" noChangeArrowheads="1"/>
+          </p:cNvSpPr>
+          <p:nvPr>
+            <p:ph type="title"/>
+          </p:nvPr>
+        </p:nvSpPr>
+        <p:spPr>
+          <a:xfrm>
+            <a:off x="1908175" y="404813"/>
+            <a:ext cx="6767513" cy="1079500"/>
+          </a:xfrm>
+        </p:spPr>
+        <p:txBody>
+          <a:bodyPr/>
+          <a:lstStyle/>
+          <a:p>
+            <a:r>
+              <a:rPr lang="en-US" sz="2400" dirty="0"/>
+              <a:t>Plotting the Data:</a:t>
+            </a:r>
+            <a:br>
+              <a:rPr lang="en-US" sz="2400" dirty="0"/>
+            </a:br>
+            <a:r>
+              <a:rPr lang="en-US" sz="2400" dirty="0"/>
+              <a:t>Size of Fire vs Wind Gusts</a:t>
+            </a:r>
+          </a:p>
+        </p:txBody>
+      </p:sp>
+      <p:sp>
+        <p:nvSpPr>
+          <p:cNvPr id="195587" name="Rectangle 3"/>
+          <p:cNvSpPr>
+            <a:spLocks noGrp="1" noChangeArrowheads="1"/>
+          </p:cNvSpPr>
+          <p:nvPr>
+            <p:ph type="body" idx="1"/>
+          </p:nvPr>
+        </p:nvSpPr>
+        <p:spPr>
+          <a:xfrm>
+            <a:off x="1908175" y="1700213"/>
+            <a:ext cx="6778625" cy="4968875"/>
+          </a:xfrm>
+        </p:spPr>
+        <p:txBody>
+          <a:bodyPr/>
+          <a:lstStyle/>
+          <a:p>
+            <a:pPr>
+              <a:lnSpc>
+                <a:spcPct val="80000"/>
+              </a:lnSpc>
+            </a:pPr>
+            <a:r>
+              <a:rPr lang="en-US" sz="1600" dirty="0"/>
+              <a:t>Is there a relationship of wind gusts on the</a:t>
+            </a:r>
+          </a:p>
+          <a:p>
+            <a:pPr marL="457200" lvl="1" indent="0">
+              <a:lnSpc>
+                <a:spcPct val="80000"/>
+              </a:lnSpc>
+              <a:buNone/>
+            </a:pPr>
+            <a:r>
+              <a:rPr lang="en-US" sz="1600" dirty="0"/>
+              <a:t>day a fire starts to the size of a fire in </a:t>
+            </a:r>
+          </a:p>
+          <a:p>
+            <a:pPr marL="457200" lvl="1" indent="0">
+              <a:lnSpc>
+                <a:spcPct val="80000"/>
+              </a:lnSpc>
+              <a:buNone/>
+            </a:pPr>
+            <a:r>
+              <a:rPr lang="en-US" sz="1600" dirty="0"/>
+              <a:t>acres burned? </a:t>
+            </a:r>
+          </a:p>
+          <a:p>
+            <a:pPr marL="457200" lvl="1" indent="0">
+              <a:lnSpc>
+                <a:spcPct val="80000"/>
+              </a:lnSpc>
+              <a:buNone/>
+            </a:pPr>
+            <a:r>
+              <a:rPr lang="en-US" sz="1600" dirty="0"/>
+              <a:t> </a:t>
+            </a:r>
+          </a:p>
+          <a:p>
+            <a:pPr>
+              <a:lnSpc>
+                <a:spcPct val="80000"/>
+              </a:lnSpc>
+            </a:pPr>
+            <a:r>
+              <a:rPr lang="en-US" sz="1600" dirty="0"/>
+              <a:t>Do higher wind gusts lead to larger fires? </a:t>
+            </a:r>
+          </a:p>
+          <a:p>
+            <a:pPr marL="0" indent="0">
+              <a:lnSpc>
+                <a:spcPct val="80000"/>
+              </a:lnSpc>
+              <a:buNone/>
+            </a:pPr>
+            <a:endParaRPr lang="en-US" sz="1600" dirty="0"/>
+          </a:p>
+          <a:p>
+            <a:pPr marL="0" indent="0">
+              <a:lnSpc>
+                <a:spcPct val="80000"/>
+              </a:lnSpc>
+              <a:buNone/>
+            </a:pPr>
+            <a:r>
+              <a:rPr lang="en-US" sz="1600" dirty="0"/>
+              <a:t>Conclusion:</a:t>
+            </a:r>
+          </a:p>
+          <a:p>
+            <a:pPr marL="0" indent="0">
+              <a:lnSpc>
+                <a:spcPct val="80000"/>
+              </a:lnSpc>
+              <a:buNone/>
+            </a:pPr>
+            <a:endParaRPr lang="en-US" sz="1600" dirty="0"/>
+          </a:p>
+          <a:p>
+            <a:pPr marL="0" indent="0">
+              <a:lnSpc>
+                <a:spcPct val="80000"/>
+              </a:lnSpc>
+              <a:buNone/>
+            </a:pPr>
+            <a:r>
+              <a:rPr lang="en-US" sz="1600" dirty="0"/>
+              <a:t>No, based on this data, higher wind gusts do not </a:t>
+            </a:r>
+          </a:p>
+          <a:p>
+            <a:pPr marL="0" indent="0">
+              <a:lnSpc>
+                <a:spcPct val="80000"/>
+              </a:lnSpc>
+              <a:buNone/>
+            </a:pPr>
+            <a:r>
+              <a:rPr lang="en-US" sz="1600" dirty="0"/>
+              <a:t>lead to larger fires. </a:t>
+            </a:r>
+          </a:p>
+          <a:p>
+            <a:pPr marL="0" indent="0">
+              <a:lnSpc>
+                <a:spcPct val="80000"/>
+              </a:lnSpc>
+              <a:buNone/>
+            </a:pPr>
+            <a:endParaRPr lang="en-US" sz="1400" dirty="0"/>
+          </a:p>
+          <a:p>
+            <a:pPr marL="0" indent="0">
+              <a:lnSpc>
+                <a:spcPct val="80000"/>
+              </a:lnSpc>
+              <a:buNone/>
+            </a:pPr>
+            <a:endParaRPr lang="en-US" sz="1400" dirty="0"/>
+          </a:p>
+          <a:p>
+            <a:pPr marL="0" indent="0">
+              <a:lnSpc>
+                <a:spcPct val="80000"/>
+              </a:lnSpc>
+              <a:buNone/>
+            </a:pPr>
+            <a:endParaRPr lang="en-US" sz="1400" dirty="0"/>
+          </a:p>
+          <a:p>
+            <a:pPr marL="0" indent="0">
+              <a:lnSpc>
+                <a:spcPct val="80000"/>
+              </a:lnSpc>
+              <a:buNone/>
+            </a:pPr>
+            <a:endParaRPr lang="en-US" sz="1400" dirty="0"/>
+          </a:p>
+          <a:p>
+            <a:pPr marL="0" indent="0">
+              <a:lnSpc>
+                <a:spcPct val="80000"/>
+              </a:lnSpc>
+              <a:buNone/>
+            </a:pPr>
+            <a:endParaRPr lang="en-US" dirty="0"/>
+          </a:p>
+          <a:p>
+            <a:pPr marL="0" indent="0">
+              <a:lnSpc>
+                <a:spcPct val="80000"/>
+              </a:lnSpc>
+              <a:buNone/>
+            </a:pPr>
+            <a:endParaRPr lang="en-US" dirty="0"/>
+          </a:p>
+        </p:txBody>
+      </p:sp>
+      <p:pic>
+        <p:nvPicPr>
+          <p:cNvPr id="4" name="Picture 3">
+            <a:extLst>
+              <a:ext uri="{FF2B5EF4-FFF2-40B4-BE49-F238E27FC236}">
+                <a16:creationId xmlns:a16="http://schemas.microsoft.com/office/drawing/2014/main" id="{694572A8-7A13-BF42-8E84-AB040F85E25D}"/>
+              </a:ext>
+            </a:extLst>
+          </p:cNvPr>
+          <p:cNvPicPr>
+            <a:picLocks noChangeAspect="1"/>
+          </p:cNvPicPr>
+          <p:nvPr/>
+        </p:nvPicPr>
+        <p:blipFill>
+          <a:blip r:embed="rId2">
+            <a:extLst>
+              <a:ext uri="{28A0092B-C50C-407E-A947-70E740481C1C}">
+                <a14:useLocalDpi xmlns:a14="http://schemas.microsoft.com/office/drawing/2010/main" val="0"/>
+              </a:ext>
+            </a:extLst>
+          </a:blip>
+          <a:stretch>
+            <a:fillRect/>
+          </a:stretch>
+        </p:blipFill>
+        <p:spPr>
+          <a:xfrm>
+            <a:off x="6479397" y="1535144"/>
+            <a:ext cx="2468880" cy="1645920"/>
+          </a:xfrm>
+          <a:prstGeom prst="rect">
+            <a:avLst/>
+          </a:prstGeom>
+        </p:spPr>
+      </p:pic>
+      <p:pic>
+        <p:nvPicPr>
+          <p:cNvPr id="8" name="Picture 7">
+            <a:extLst>
+              <a:ext uri="{FF2B5EF4-FFF2-40B4-BE49-F238E27FC236}">
+                <a16:creationId xmlns:a16="http://schemas.microsoft.com/office/drawing/2014/main" id="{D024E593-51DD-534C-9A70-82E45A0D9FC0}"/>
+              </a:ext>
+            </a:extLst>
+          </p:cNvPr>
+          <p:cNvPicPr>
+            <a:picLocks noChangeAspect="1"/>
+          </p:cNvPicPr>
+          <p:nvPr/>
+        </p:nvPicPr>
+        <p:blipFill>
+          <a:blip r:embed="rId3">
+            <a:extLst>
+              <a:ext uri="{28A0092B-C50C-407E-A947-70E740481C1C}">
+                <a14:useLocalDpi xmlns:a14="http://schemas.microsoft.com/office/drawing/2010/main" val="0"/>
+              </a:ext>
+            </a:extLst>
+          </a:blip>
+          <a:stretch>
+            <a:fillRect/>
+          </a:stretch>
+        </p:blipFill>
+        <p:spPr>
+          <a:xfrm>
+            <a:off x="6479397" y="3161091"/>
+            <a:ext cx="2468880" cy="1645920"/>
+          </a:xfrm>
+          <a:prstGeom prst="rect">
+            <a:avLst/>
+          </a:prstGeom>
+        </p:spPr>
+      </p:pic>
+      <p:pic>
+        <p:nvPicPr>
+          <p:cNvPr id="10" name="Picture 9">
+            <a:extLst>
+              <a:ext uri="{FF2B5EF4-FFF2-40B4-BE49-F238E27FC236}">
+                <a16:creationId xmlns:a16="http://schemas.microsoft.com/office/drawing/2014/main" id="{4616F175-D732-2147-9D58-BDFC45C16FEF}"/>
+              </a:ext>
+            </a:extLst>
+          </p:cNvPr>
+          <p:cNvPicPr>
+            <a:picLocks noChangeAspect="1"/>
+          </p:cNvPicPr>
+          <p:nvPr/>
+        </p:nvPicPr>
+        <p:blipFill>
+          <a:blip r:embed="rId4">
+            <a:extLst>
+              <a:ext uri="{28A0092B-C50C-407E-A947-70E740481C1C}">
+                <a14:useLocalDpi xmlns:a14="http://schemas.microsoft.com/office/drawing/2010/main" val="0"/>
+              </a:ext>
+            </a:extLst>
+          </a:blip>
+          <a:stretch>
+            <a:fillRect/>
+          </a:stretch>
+        </p:blipFill>
+        <p:spPr>
+          <a:xfrm>
+            <a:off x="6479397" y="4807011"/>
+            <a:ext cx="2468880" cy="1645920"/>
+          </a:xfrm>
+          <a:prstGeom prst="rect">
+            <a:avLst/>
+          </a:prstGeom>
+        </p:spPr>
+      </p:pic>
+    </p:spTree>
+    <p:extLst>
+      <p:ext uri="{BB962C8B-B14F-4D97-AF65-F5344CB8AC3E}">
+        <p14:creationId xmlns:p14="http://schemas.microsoft.com/office/powerpoint/2010/main" val="1043513666"/>
+      </p:ext>
+    </p:extLst>
+  </p:cSld>
+  <p:clrMapOvr>
+    <a:masterClrMapping/>
+  </p:clrMapOvr>
+</p:sld>
+</file>
+
+<file path=ppt/slides/slide13.xml><?xml version="1.0" encoding="utf-8"?>
+<p:sld xmlns:a="http://schemas.openxmlformats.org/drawingml/2006/main" xmlns:r="http://schemas.openxmlformats.org/officeDocument/2006/relationships" xmlns:p="http://schemas.openxmlformats.org/presentationml/2006/main">
+  <p:cSld>
+    <p:spTree>
+      <p:nvGrpSpPr>
+        <p:cNvPr id="1" name=""/>
+        <p:cNvGrpSpPr/>
+        <p:nvPr/>
+      </p:nvGrpSpPr>
+      <p:grpSpPr>
+        <a:xfrm>
+          <a:off x="0" y="0"/>
+          <a:ext cx="0" cy="0"/>
+          <a:chOff x="0" y="0"/>
+          <a:chExt cx="0" cy="0"/>
+        </a:xfrm>
+      </p:grpSpPr>
+      <p:sp>
+        <p:nvSpPr>
+          <p:cNvPr id="195586" name="Rectangle 2"/>
+          <p:cNvSpPr>
+            <a:spLocks noGrp="1" noChangeArrowheads="1"/>
+          </p:cNvSpPr>
+          <p:nvPr>
+            <p:ph type="title"/>
+          </p:nvPr>
+        </p:nvSpPr>
+        <p:spPr>
+          <a:xfrm>
+            <a:off x="1908175" y="404813"/>
+            <a:ext cx="6767513" cy="1079500"/>
+          </a:xfrm>
+        </p:spPr>
+        <p:txBody>
+          <a:bodyPr/>
+          <a:lstStyle/>
+          <a:p>
+            <a:r>
+              <a:rPr lang="en-US" dirty="0"/>
+              <a:t>Visualizing the Data</a:t>
+            </a:r>
+          </a:p>
+        </p:txBody>
+      </p:sp>
+      <p:sp>
+        <p:nvSpPr>
+          <p:cNvPr id="195587" name="Rectangle 3"/>
+          <p:cNvSpPr>
+            <a:spLocks noGrp="1" noChangeArrowheads="1"/>
+          </p:cNvSpPr>
+          <p:nvPr>
+            <p:ph type="body" idx="1"/>
+          </p:nvPr>
+        </p:nvSpPr>
+        <p:spPr>
+          <a:xfrm>
+            <a:off x="1908175" y="1700213"/>
+            <a:ext cx="6778625" cy="4968875"/>
+          </a:xfrm>
+        </p:spPr>
+        <p:txBody>
+          <a:bodyPr/>
+          <a:lstStyle/>
+          <a:p>
+            <a:pPr marL="0" indent="0">
+              <a:lnSpc>
+                <a:spcPct val="80000"/>
+              </a:lnSpc>
+              <a:buNone/>
+            </a:pPr>
+            <a:r>
+              <a:rPr lang="en-US" dirty="0"/>
+              <a:t>Google maps with layers showing </a:t>
+            </a:r>
+          </a:p>
+          <a:p>
+            <a:pPr marL="0" indent="0">
+              <a:lnSpc>
+                <a:spcPct val="80000"/>
+              </a:lnSpc>
+              <a:buNone/>
+            </a:pPr>
+            <a:endParaRPr lang="en-US" dirty="0"/>
+          </a:p>
+          <a:p>
+            <a:pPr marL="0" indent="0">
+              <a:lnSpc>
+                <a:spcPct val="80000"/>
+              </a:lnSpc>
+              <a:buNone/>
+            </a:pPr>
+            <a:r>
+              <a:rPr lang="en-US" dirty="0"/>
+              <a:t>Location of fire vs temp - by year</a:t>
+            </a:r>
+          </a:p>
+          <a:p>
+            <a:pPr marL="0" indent="0">
+              <a:lnSpc>
+                <a:spcPct val="80000"/>
+              </a:lnSpc>
+              <a:buNone/>
+            </a:pPr>
+            <a:r>
+              <a:rPr lang="en-US" dirty="0"/>
+              <a:t>Location of fire vs humidity - by year</a:t>
+            </a:r>
+          </a:p>
+          <a:p>
+            <a:pPr marL="0" indent="0">
+              <a:lnSpc>
+                <a:spcPct val="80000"/>
+              </a:lnSpc>
+              <a:buNone/>
+            </a:pPr>
+            <a:r>
+              <a:rPr lang="en-US" dirty="0"/>
+              <a:t>Location of fire vs precipitation - by year</a:t>
+            </a:r>
+          </a:p>
+          <a:p>
+            <a:pPr marL="0" indent="0">
+              <a:lnSpc>
+                <a:spcPct val="80000"/>
+              </a:lnSpc>
+              <a:buNone/>
+            </a:pPr>
+            <a:r>
+              <a:rPr lang="en-US" dirty="0"/>
+              <a:t>Number of fires - 2015 vs 2018</a:t>
+            </a:r>
+          </a:p>
+          <a:p>
+            <a:pPr marL="0" indent="0">
+              <a:lnSpc>
+                <a:spcPct val="80000"/>
+              </a:lnSpc>
+              <a:buNone/>
+            </a:pPr>
+            <a:endParaRPr lang="en-US"/>
+          </a:p>
+          <a:p>
+            <a:pPr marL="0" indent="0">
+              <a:lnSpc>
+                <a:spcPct val="80000"/>
+              </a:lnSpc>
+              <a:buNone/>
+            </a:pPr>
+            <a:endParaRPr lang="en-US" dirty="0"/>
+          </a:p>
+        </p:txBody>
+      </p:sp>
+    </p:spTree>
+    <p:extLst>
+      <p:ext uri="{BB962C8B-B14F-4D97-AF65-F5344CB8AC3E}">
+        <p14:creationId xmlns:p14="http://schemas.microsoft.com/office/powerpoint/2010/main" val="897831138"/>
+      </p:ext>
+    </p:extLst>
+  </p:cSld>
+  <p:clrMapOvr>
+    <a:masterClrMapping/>
+  </p:clrMapOvr>
+</p:sld>
+</file>
+
 <file path=ppt/slides/slide2.xml><?xml version="1.0" encoding="utf-8"?>
 <p:sld xmlns:a="http://schemas.openxmlformats.org/drawingml/2006/main" xmlns:r="http://schemas.openxmlformats.org/officeDocument/2006/relationships" xmlns:p="http://schemas.openxmlformats.org/presentationml/2006/main">
   <p:cSld>
@@ -6648,8 +7886,22 @@
           <a:lstStyle/>
           <a:p>
             <a:r>
-              <a:rPr lang="en-US" dirty="0"/>
-              <a:t>Plotting the Data </a:t>
+              <a:rPr lang="en-US" sz="2400" dirty="0"/>
+              <a:t>Plotting the Data:</a:t>
+            </a:r>
+            <a:br>
+              <a:rPr lang="en-US" sz="2400" dirty="0"/>
+            </a:br>
+            <a:r>
+              <a:rPr lang="en-US" sz="2400" dirty="0"/>
+              <a:t>Location of the fire by Latitude vs. Temperature</a:t>
+            </a:r>
+            <a:br>
+              <a:rPr lang="en-US" sz="2400" dirty="0"/>
+            </a:br>
+            <a:r>
+              <a:rPr lang="en-US" sz="2400" dirty="0"/>
+              <a:t>on the date the fire started</a:t>
             </a:r>
           </a:p>
         </p:txBody>
@@ -6674,67 +7926,382 @@
           <a:bodyPr/>
           <a:lstStyle/>
           <a:p>
-            <a:pPr marL="0" indent="0">
-              <a:lnSpc>
-                <a:spcPct val="80000"/>
-              </a:lnSpc>
-              <a:buNone/>
-            </a:pPr>
-            <a:r>
-              <a:rPr lang="en-US" dirty="0"/>
-              <a:t>Size of fire vs temp - by year</a:t>
-            </a:r>
-          </a:p>
-          <a:p>
-            <a:pPr marL="0" indent="0">
-              <a:lnSpc>
-                <a:spcPct val="80000"/>
-              </a:lnSpc>
-              <a:buNone/>
-            </a:pPr>
-            <a:r>
-              <a:rPr lang="en-US" dirty="0"/>
-              <a:t>Size of fire vs humidity - by year</a:t>
-            </a:r>
-          </a:p>
-          <a:p>
-            <a:pPr marL="0" indent="0">
-              <a:lnSpc>
-                <a:spcPct val="80000"/>
-              </a:lnSpc>
-              <a:buNone/>
-            </a:pPr>
-            <a:r>
-              <a:rPr lang="en-US" dirty="0"/>
-              <a:t>Size of fire vs precipitation - by year</a:t>
-            </a:r>
-          </a:p>
-          <a:p>
-            <a:pPr marL="0" indent="0">
-              <a:lnSpc>
-                <a:spcPct val="80000"/>
-              </a:lnSpc>
-              <a:buNone/>
-            </a:pPr>
-            <a:r>
-              <a:rPr lang="en-US" dirty="0"/>
-              <a:t>Fires by month - by year</a:t>
-            </a:r>
-          </a:p>
-          <a:p>
-            <a:pPr marL="0" indent="0">
-              <a:lnSpc>
-                <a:spcPct val="80000"/>
-              </a:lnSpc>
-              <a:buNone/>
-            </a:pPr>
-            <a:r>
-              <a:rPr lang="en-US" dirty="0"/>
-              <a:t>Number of fires - 2015 vs 2018</a:t>
-            </a:r>
+            <a:pPr>
+              <a:lnSpc>
+                <a:spcPct val="80000"/>
+              </a:lnSpc>
+            </a:pPr>
+            <a:r>
+              <a:rPr lang="en-US" sz="1600" dirty="0"/>
+              <a:t>Is there a relationship of the high</a:t>
+            </a:r>
+          </a:p>
+          <a:p>
+            <a:pPr marL="457200" lvl="1" indent="0">
+              <a:lnSpc>
+                <a:spcPct val="80000"/>
+              </a:lnSpc>
+              <a:buNone/>
+            </a:pPr>
+            <a:r>
+              <a:rPr lang="en-US" sz="1600" dirty="0"/>
+              <a:t>temperature to the date a fire</a:t>
+            </a:r>
+          </a:p>
+          <a:p>
+            <a:pPr marL="457200" lvl="1" indent="0">
+              <a:lnSpc>
+                <a:spcPct val="80000"/>
+              </a:lnSpc>
+              <a:buNone/>
+            </a:pPr>
+            <a:r>
+              <a:rPr lang="en-US" sz="1600" dirty="0"/>
+              <a:t>breaks out? </a:t>
+            </a:r>
+          </a:p>
+          <a:p>
+            <a:pPr marL="457200" lvl="1" indent="0">
+              <a:lnSpc>
+                <a:spcPct val="80000"/>
+              </a:lnSpc>
+              <a:buNone/>
+            </a:pPr>
+            <a:endParaRPr lang="en-US" sz="1600" dirty="0"/>
+          </a:p>
+          <a:p>
+            <a:pPr marL="400050">
+              <a:lnSpc>
+                <a:spcPct val="80000"/>
+              </a:lnSpc>
+            </a:pPr>
+            <a:r>
+              <a:rPr lang="en-US" sz="1600" dirty="0"/>
+              <a:t>How do the temperatures by</a:t>
+            </a:r>
+          </a:p>
+          <a:p>
+            <a:pPr marL="457200" lvl="1" indent="0">
+              <a:lnSpc>
+                <a:spcPct val="80000"/>
+              </a:lnSpc>
+              <a:buNone/>
+            </a:pPr>
+            <a:r>
+              <a:rPr lang="en-US" sz="1600" dirty="0"/>
+              <a:t>latitude (north vs south) impact</a:t>
+            </a:r>
+          </a:p>
+          <a:p>
+            <a:pPr marL="457200" lvl="1" indent="0">
+              <a:lnSpc>
+                <a:spcPct val="80000"/>
+              </a:lnSpc>
+              <a:buNone/>
+            </a:pPr>
+            <a:r>
+              <a:rPr lang="en-US" sz="1600" dirty="0"/>
+              <a:t>the start of a fire?</a:t>
+            </a:r>
+          </a:p>
+          <a:p>
+            <a:pPr marL="457200" lvl="1" indent="0">
+              <a:lnSpc>
+                <a:spcPct val="80000"/>
+              </a:lnSpc>
+              <a:buNone/>
+            </a:pPr>
+            <a:r>
+              <a:rPr lang="en-US" sz="1600" dirty="0"/>
+              <a:t> </a:t>
+            </a:r>
+          </a:p>
+          <a:p>
+            <a:pPr>
+              <a:lnSpc>
+                <a:spcPct val="80000"/>
+              </a:lnSpc>
+            </a:pPr>
+            <a:r>
+              <a:rPr lang="en-US" sz="1600" dirty="0"/>
+              <a:t>Do higher temperatures</a:t>
+            </a:r>
+          </a:p>
+          <a:p>
+            <a:pPr marL="457200" lvl="1" indent="0">
+              <a:lnSpc>
+                <a:spcPct val="80000"/>
+              </a:lnSpc>
+              <a:buNone/>
+            </a:pPr>
+            <a:r>
+              <a:rPr lang="en-US" sz="1600" dirty="0"/>
+              <a:t>lead to more fires? </a:t>
+            </a:r>
+          </a:p>
+          <a:p>
+            <a:pPr marL="0" indent="0">
+              <a:lnSpc>
+                <a:spcPct val="80000"/>
+              </a:lnSpc>
+              <a:buNone/>
+            </a:pPr>
+            <a:endParaRPr lang="en-US" sz="1600" dirty="0"/>
+          </a:p>
+          <a:p>
+            <a:pPr marL="0" indent="0">
+              <a:lnSpc>
+                <a:spcPct val="80000"/>
+              </a:lnSpc>
+              <a:buNone/>
+            </a:pPr>
+            <a:r>
+              <a:rPr lang="en-US" sz="1600" dirty="0"/>
+              <a:t>Conclusion:</a:t>
+            </a:r>
+          </a:p>
+          <a:p>
+            <a:pPr marL="0" indent="0">
+              <a:lnSpc>
+                <a:spcPct val="80000"/>
+              </a:lnSpc>
+              <a:buNone/>
+            </a:pPr>
+            <a:endParaRPr lang="en-US" sz="1600" dirty="0"/>
+          </a:p>
+          <a:p>
+            <a:pPr marL="0" indent="0">
+              <a:lnSpc>
+                <a:spcPct val="80000"/>
+              </a:lnSpc>
+              <a:buNone/>
+            </a:pPr>
+            <a:r>
+              <a:rPr lang="en-US" sz="1600" dirty="0"/>
+              <a:t>Yes, based on this data, higher </a:t>
+            </a:r>
+          </a:p>
+          <a:p>
+            <a:pPr marL="0" indent="0">
+              <a:lnSpc>
+                <a:spcPct val="80000"/>
+              </a:lnSpc>
+              <a:buNone/>
+            </a:pPr>
+            <a:r>
+              <a:rPr lang="en-US" sz="1600" dirty="0"/>
+              <a:t>temperatures can contribute to</a:t>
+            </a:r>
+          </a:p>
+          <a:p>
+            <a:pPr marL="0" indent="0">
+              <a:lnSpc>
+                <a:spcPct val="80000"/>
+              </a:lnSpc>
+              <a:buNone/>
+            </a:pPr>
+            <a:r>
+              <a:rPr lang="en-US" sz="1600" dirty="0"/>
+              <a:t>the start of a fire. </a:t>
+            </a:r>
+          </a:p>
+          <a:p>
+            <a:pPr marL="0" indent="0">
+              <a:lnSpc>
+                <a:spcPct val="80000"/>
+              </a:lnSpc>
+              <a:buNone/>
+            </a:pPr>
+            <a:endParaRPr lang="en-US" sz="1400" dirty="0"/>
+          </a:p>
+          <a:p>
+            <a:pPr marL="0" indent="0">
+              <a:lnSpc>
+                <a:spcPct val="80000"/>
+              </a:lnSpc>
+              <a:buNone/>
+            </a:pPr>
+            <a:endParaRPr lang="en-US" sz="1400" dirty="0"/>
+          </a:p>
+          <a:p>
+            <a:pPr marL="0" indent="0">
+              <a:lnSpc>
+                <a:spcPct val="80000"/>
+              </a:lnSpc>
+              <a:buNone/>
+            </a:pPr>
+            <a:endParaRPr lang="en-US" sz="1400" dirty="0"/>
+          </a:p>
+          <a:p>
+            <a:pPr marL="0" indent="0">
+              <a:lnSpc>
+                <a:spcPct val="80000"/>
+              </a:lnSpc>
+              <a:buNone/>
+            </a:pPr>
+            <a:r>
+              <a:rPr lang="en-US" sz="1400" dirty="0"/>
+              <a:t>Lower latitudes = Southern California </a:t>
+            </a:r>
+          </a:p>
+          <a:p>
+            <a:pPr marL="0" indent="0">
+              <a:lnSpc>
+                <a:spcPct val="80000"/>
+              </a:lnSpc>
+              <a:buNone/>
+            </a:pPr>
+            <a:r>
+              <a:rPr lang="en-US" sz="1400" dirty="0"/>
+              <a:t>Higher latitudes = Northern California</a:t>
+            </a:r>
+          </a:p>
+          <a:p>
+            <a:pPr marL="0" indent="0">
+              <a:lnSpc>
+                <a:spcPct val="80000"/>
+              </a:lnSpc>
+              <a:buNone/>
+            </a:pPr>
+            <a:endParaRPr lang="en-US" sz="1400" dirty="0"/>
+          </a:p>
+          <a:p>
+            <a:pPr marL="0" indent="0">
+              <a:lnSpc>
+                <a:spcPct val="80000"/>
+              </a:lnSpc>
+              <a:buNone/>
+            </a:pPr>
+            <a:endParaRPr lang="en-US" sz="1400" dirty="0"/>
+          </a:p>
+          <a:p>
+            <a:pPr marL="0" indent="0">
+              <a:lnSpc>
+                <a:spcPct val="80000"/>
+              </a:lnSpc>
+              <a:buNone/>
+            </a:pPr>
+            <a:endParaRPr lang="en-US" dirty="0"/>
+          </a:p>
+          <a:p>
+            <a:pPr marL="0" indent="0">
+              <a:lnSpc>
+                <a:spcPct val="80000"/>
+              </a:lnSpc>
+              <a:buNone/>
+            </a:pPr>
+            <a:endParaRPr lang="en-US" dirty="0"/>
           </a:p>
         </p:txBody>
       </p:sp>
+      <p:pic>
+        <p:nvPicPr>
+          <p:cNvPr id="9" name="Picture 8">
+            <a:extLst>
+              <a:ext uri="{FF2B5EF4-FFF2-40B4-BE49-F238E27FC236}">
+                <a16:creationId xmlns:a16="http://schemas.microsoft.com/office/drawing/2014/main" id="{31DC7E64-5D3F-494B-B7FA-7404F69EE26F}"/>
+              </a:ext>
+            </a:extLst>
+          </p:cNvPr>
+          <p:cNvPicPr>
+            <a:picLocks noChangeAspect="1"/>
+          </p:cNvPicPr>
+          <p:nvPr/>
+        </p:nvPicPr>
+        <p:blipFill>
+          <a:blip r:embed="rId2">
+            <a:extLst>
+              <a:ext uri="{28A0092B-C50C-407E-A947-70E740481C1C}">
+                <a14:useLocalDpi xmlns:a14="http://schemas.microsoft.com/office/drawing/2010/main" val="0"/>
+              </a:ext>
+            </a:extLst>
+          </a:blip>
+          <a:stretch>
+            <a:fillRect/>
+          </a:stretch>
+        </p:blipFill>
+        <p:spPr>
+          <a:xfrm>
+            <a:off x="6351800" y="1515427"/>
+            <a:ext cx="2468880" cy="1645920"/>
+          </a:xfrm>
+          <a:prstGeom prst="rect">
+            <a:avLst/>
+          </a:prstGeom>
+        </p:spPr>
+      </p:pic>
+      <p:pic>
+        <p:nvPicPr>
+          <p:cNvPr id="11" name="Picture 10">
+            <a:extLst>
+              <a:ext uri="{FF2B5EF4-FFF2-40B4-BE49-F238E27FC236}">
+                <a16:creationId xmlns:a16="http://schemas.microsoft.com/office/drawing/2014/main" id="{50EED2BC-45AD-EE44-9AE5-A1EFD151ED1C}"/>
+              </a:ext>
+            </a:extLst>
+          </p:cNvPr>
+          <p:cNvPicPr>
+            <a:picLocks noChangeAspect="1"/>
+          </p:cNvPicPr>
+          <p:nvPr/>
+        </p:nvPicPr>
+        <p:blipFill>
+          <a:blip r:embed="rId3">
+            <a:extLst>
+              <a:ext uri="{28A0092B-C50C-407E-A947-70E740481C1C}">
+                <a14:useLocalDpi xmlns:a14="http://schemas.microsoft.com/office/drawing/2010/main" val="0"/>
+              </a:ext>
+            </a:extLst>
+          </a:blip>
+          <a:stretch>
+            <a:fillRect/>
+          </a:stretch>
+        </p:blipFill>
+        <p:spPr>
+          <a:xfrm>
+            <a:off x="6371520" y="3161347"/>
+            <a:ext cx="2468880" cy="1645920"/>
+          </a:xfrm>
+          <a:prstGeom prst="rect">
+            <a:avLst/>
+          </a:prstGeom>
+        </p:spPr>
+      </p:pic>
+      <p:pic>
+        <p:nvPicPr>
+          <p:cNvPr id="13" name="Picture 12">
+            <a:extLst>
+              <a:ext uri="{FF2B5EF4-FFF2-40B4-BE49-F238E27FC236}">
+                <a16:creationId xmlns:a16="http://schemas.microsoft.com/office/drawing/2014/main" id="{4F679D3E-0F55-4940-8B3E-BE38E6D9AFB5}"/>
+              </a:ext>
+            </a:extLst>
+          </p:cNvPr>
+          <p:cNvPicPr>
+            <a:picLocks noChangeAspect="1"/>
+          </p:cNvPicPr>
+          <p:nvPr/>
+        </p:nvPicPr>
+        <p:blipFill>
+          <a:blip r:embed="rId4">
+            <a:extLst>
+              <a:ext uri="{28A0092B-C50C-407E-A947-70E740481C1C}">
+                <a14:useLocalDpi xmlns:a14="http://schemas.microsoft.com/office/drawing/2010/main" val="0"/>
+              </a:ext>
+            </a:extLst>
+          </a:blip>
+          <a:stretch>
+            <a:fillRect/>
+          </a:stretch>
+        </p:blipFill>
+        <p:spPr>
+          <a:xfrm>
+            <a:off x="6371520" y="4807267"/>
+            <a:ext cx="2468880" cy="1645920"/>
+          </a:xfrm>
+          <a:prstGeom prst="rect">
+            <a:avLst/>
+          </a:prstGeom>
+        </p:spPr>
+      </p:pic>
     </p:spTree>
     <p:extLst>
       <p:ext uri="{BB962C8B-B14F-4D97-AF65-F5344CB8AC3E}">
@@ -6786,8 +8353,22 @@
           <a:lstStyle/>
           <a:p>
             <a:r>
-              <a:rPr lang="en-US" dirty="0"/>
-              <a:t>Visualizing the Data</a:t>
+              <a:rPr lang="en-US" sz="2300" dirty="0"/>
+              <a:t>Plotting the Data:</a:t>
+            </a:r>
+            <a:br>
+              <a:rPr lang="en-US" sz="2300" dirty="0"/>
+            </a:br>
+            <a:r>
+              <a:rPr lang="en-US" sz="2300" dirty="0"/>
+              <a:t>Location of the fire by Longitude vs. Temperature</a:t>
+            </a:r>
+            <a:br>
+              <a:rPr lang="en-US" sz="2300" dirty="0"/>
+            </a:br>
+            <a:r>
+              <a:rPr lang="en-US" sz="2300" dirty="0"/>
+              <a:t>on the date the fire started</a:t>
             </a:r>
           </a:p>
         </p:txBody>
@@ -6812,16 +8393,253 @@
           <a:bodyPr/>
           <a:lstStyle/>
           <a:p>
-            <a:pPr marL="0" indent="0">
-              <a:lnSpc>
-                <a:spcPct val="80000"/>
-              </a:lnSpc>
-              <a:buNone/>
-            </a:pPr>
-            <a:r>
-              <a:rPr lang="en-US" dirty="0"/>
-              <a:t>Google maps with layers showing </a:t>
-            </a:r>
+            <a:pPr>
+              <a:lnSpc>
+                <a:spcPct val="80000"/>
+              </a:lnSpc>
+            </a:pPr>
+            <a:r>
+              <a:rPr lang="en-US" sz="1600" dirty="0"/>
+              <a:t>Is there a relationship of the high</a:t>
+            </a:r>
+          </a:p>
+          <a:p>
+            <a:pPr marL="457200" lvl="1" indent="0">
+              <a:lnSpc>
+                <a:spcPct val="80000"/>
+              </a:lnSpc>
+              <a:buNone/>
+            </a:pPr>
+            <a:r>
+              <a:rPr lang="en-US" sz="1600" dirty="0"/>
+              <a:t>temperature to the date a fire</a:t>
+            </a:r>
+          </a:p>
+          <a:p>
+            <a:pPr marL="457200" lvl="1" indent="0">
+              <a:lnSpc>
+                <a:spcPct val="80000"/>
+              </a:lnSpc>
+              <a:buNone/>
+            </a:pPr>
+            <a:r>
+              <a:rPr lang="en-US" sz="1600" dirty="0"/>
+              <a:t>breaks out? </a:t>
+            </a:r>
+          </a:p>
+          <a:p>
+            <a:pPr marL="457200" lvl="1" indent="0">
+              <a:lnSpc>
+                <a:spcPct val="80000"/>
+              </a:lnSpc>
+              <a:buNone/>
+            </a:pPr>
+            <a:endParaRPr lang="en-US" sz="1600" dirty="0"/>
+          </a:p>
+          <a:p>
+            <a:pPr marL="400050">
+              <a:lnSpc>
+                <a:spcPct val="80000"/>
+              </a:lnSpc>
+            </a:pPr>
+            <a:r>
+              <a:rPr lang="en-US" sz="1600" dirty="0"/>
+              <a:t>How do the temperatures by</a:t>
+            </a:r>
+          </a:p>
+          <a:p>
+            <a:pPr marL="457200" lvl="1" indent="0">
+              <a:lnSpc>
+                <a:spcPct val="80000"/>
+              </a:lnSpc>
+              <a:buNone/>
+            </a:pPr>
+            <a:r>
+              <a:rPr lang="en-US" sz="1600" dirty="0"/>
+              <a:t>longitude (east vs west) impact</a:t>
+            </a:r>
+          </a:p>
+          <a:p>
+            <a:pPr marL="457200" lvl="1" indent="0">
+              <a:lnSpc>
+                <a:spcPct val="80000"/>
+              </a:lnSpc>
+              <a:buNone/>
+            </a:pPr>
+            <a:r>
+              <a:rPr lang="en-US" sz="1600" dirty="0"/>
+              <a:t>the start of a fire?</a:t>
+            </a:r>
+          </a:p>
+          <a:p>
+            <a:pPr marL="457200" lvl="1" indent="0">
+              <a:lnSpc>
+                <a:spcPct val="80000"/>
+              </a:lnSpc>
+              <a:buNone/>
+            </a:pPr>
+            <a:r>
+              <a:rPr lang="en-US" sz="1600" dirty="0"/>
+              <a:t> </a:t>
+            </a:r>
+          </a:p>
+          <a:p>
+            <a:pPr>
+              <a:lnSpc>
+                <a:spcPct val="80000"/>
+              </a:lnSpc>
+            </a:pPr>
+            <a:r>
+              <a:rPr lang="en-US" sz="1600" dirty="0"/>
+              <a:t>Do higher temperatures</a:t>
+            </a:r>
+          </a:p>
+          <a:p>
+            <a:pPr marL="457200" lvl="1" indent="0">
+              <a:lnSpc>
+                <a:spcPct val="80000"/>
+              </a:lnSpc>
+              <a:buNone/>
+            </a:pPr>
+            <a:r>
+              <a:rPr lang="en-US" sz="1600" dirty="0"/>
+              <a:t>lead to more fires? </a:t>
+            </a:r>
+          </a:p>
+          <a:p>
+            <a:pPr marL="0" indent="0">
+              <a:lnSpc>
+                <a:spcPct val="80000"/>
+              </a:lnSpc>
+              <a:buNone/>
+            </a:pPr>
+            <a:endParaRPr lang="en-US" sz="1600" dirty="0"/>
+          </a:p>
+          <a:p>
+            <a:pPr marL="0" indent="0">
+              <a:lnSpc>
+                <a:spcPct val="80000"/>
+              </a:lnSpc>
+              <a:buNone/>
+            </a:pPr>
+            <a:r>
+              <a:rPr lang="en-US" sz="1600" dirty="0"/>
+              <a:t>Conclusion:</a:t>
+            </a:r>
+          </a:p>
+          <a:p>
+            <a:pPr marL="0" indent="0">
+              <a:lnSpc>
+                <a:spcPct val="80000"/>
+              </a:lnSpc>
+              <a:buNone/>
+            </a:pPr>
+            <a:endParaRPr lang="en-US" sz="1600" dirty="0"/>
+          </a:p>
+          <a:p>
+            <a:pPr marL="0" indent="0">
+              <a:lnSpc>
+                <a:spcPct val="80000"/>
+              </a:lnSpc>
+              <a:buNone/>
+            </a:pPr>
+            <a:r>
+              <a:rPr lang="en-US" sz="1600" dirty="0"/>
+              <a:t>Yes, based on this data, higher </a:t>
+            </a:r>
+          </a:p>
+          <a:p>
+            <a:pPr marL="0" indent="0">
+              <a:lnSpc>
+                <a:spcPct val="80000"/>
+              </a:lnSpc>
+              <a:buNone/>
+            </a:pPr>
+            <a:r>
+              <a:rPr lang="en-US" sz="1600" dirty="0"/>
+              <a:t>temperatures can contribute to</a:t>
+            </a:r>
+          </a:p>
+          <a:p>
+            <a:pPr marL="0" indent="0">
+              <a:lnSpc>
+                <a:spcPct val="80000"/>
+              </a:lnSpc>
+              <a:buNone/>
+            </a:pPr>
+            <a:r>
+              <a:rPr lang="en-US" sz="1600" dirty="0"/>
+              <a:t>the start of a fire. </a:t>
+            </a:r>
+          </a:p>
+          <a:p>
+            <a:pPr marL="0" indent="0">
+              <a:lnSpc>
+                <a:spcPct val="80000"/>
+              </a:lnSpc>
+              <a:buNone/>
+            </a:pPr>
+            <a:endParaRPr lang="en-US" sz="1400" dirty="0"/>
+          </a:p>
+          <a:p>
+            <a:pPr marL="0" indent="0">
+              <a:lnSpc>
+                <a:spcPct val="80000"/>
+              </a:lnSpc>
+              <a:buNone/>
+            </a:pPr>
+            <a:endParaRPr lang="en-US" sz="1400" dirty="0"/>
+          </a:p>
+          <a:p>
+            <a:pPr marL="0" indent="0">
+              <a:lnSpc>
+                <a:spcPct val="80000"/>
+              </a:lnSpc>
+              <a:buNone/>
+            </a:pPr>
+            <a:endParaRPr lang="en-US" sz="1400" dirty="0"/>
+          </a:p>
+          <a:p>
+            <a:pPr marL="0" indent="0">
+              <a:lnSpc>
+                <a:spcPct val="80000"/>
+              </a:lnSpc>
+              <a:buNone/>
+            </a:pPr>
+            <a:r>
+              <a:rPr lang="en-US" sz="1400" dirty="0"/>
+              <a:t>Lower longitude = Western California </a:t>
+            </a:r>
+          </a:p>
+          <a:p>
+            <a:pPr marL="0" indent="0">
+              <a:lnSpc>
+                <a:spcPct val="80000"/>
+              </a:lnSpc>
+              <a:buNone/>
+            </a:pPr>
+            <a:r>
+              <a:rPr lang="en-US" sz="1400" dirty="0"/>
+              <a:t>Higher longitude = Eastern California</a:t>
+            </a:r>
+          </a:p>
+          <a:p>
+            <a:pPr marL="0" indent="0">
+              <a:lnSpc>
+                <a:spcPct val="80000"/>
+              </a:lnSpc>
+              <a:buNone/>
+            </a:pPr>
+            <a:endParaRPr lang="en-US" sz="1400" dirty="0"/>
+          </a:p>
+          <a:p>
+            <a:pPr marL="0" indent="0">
+              <a:lnSpc>
+                <a:spcPct val="80000"/>
+              </a:lnSpc>
+              <a:buNone/>
+            </a:pPr>
+            <a:endParaRPr lang="en-US" sz="1400" dirty="0"/>
           </a:p>
           <a:p>
             <a:pPr marL="0" indent="0">
@@ -6831,63 +8649,6 @@
               <a:buNone/>
             </a:pPr>
             <a:endParaRPr lang="en-US" dirty="0"/>
-          </a:p>
-          <a:p>
-            <a:pPr marL="0" indent="0">
-              <a:lnSpc>
-                <a:spcPct val="80000"/>
-              </a:lnSpc>
-              <a:buNone/>
-            </a:pPr>
-            <a:r>
-              <a:rPr lang="en-US" dirty="0"/>
-              <a:t>Location of fire vs temp - by year</a:t>
-            </a:r>
-          </a:p>
-          <a:p>
-            <a:pPr marL="0" indent="0">
-              <a:lnSpc>
-                <a:spcPct val="80000"/>
-              </a:lnSpc>
-              <a:buNone/>
-            </a:pPr>
-            <a:r>
-              <a:rPr lang="en-US" dirty="0"/>
-              <a:t>Location of fire vs humidity - by year</a:t>
-            </a:r>
-          </a:p>
-          <a:p>
-            <a:pPr marL="0" indent="0">
-              <a:lnSpc>
-                <a:spcPct val="80000"/>
-              </a:lnSpc>
-              <a:buNone/>
-            </a:pPr>
-            <a:r>
-              <a:rPr lang="en-US" dirty="0"/>
-              <a:t>Location of fire vs precipitation - by year</a:t>
-            </a:r>
-          </a:p>
-          <a:p>
-            <a:pPr marL="0" indent="0">
-              <a:lnSpc>
-                <a:spcPct val="80000"/>
-              </a:lnSpc>
-              <a:buNone/>
-            </a:pPr>
-            <a:r>
-              <a:rPr lang="en-US" dirty="0"/>
-              <a:t>Number of fires - 2015 vs 2018</a:t>
-            </a:r>
-          </a:p>
-          <a:p>
-            <a:pPr marL="0" indent="0">
-              <a:lnSpc>
-                <a:spcPct val="80000"/>
-              </a:lnSpc>
-              <a:buNone/>
-            </a:pPr>
-            <a:endParaRPr lang="en-US"/>
           </a:p>
           <a:p>
             <a:pPr marL="0" indent="0">
@@ -6900,10 +8661,1805 @@
           </a:p>
         </p:txBody>
       </p:sp>
+      <p:pic>
+        <p:nvPicPr>
+          <p:cNvPr id="4" name="Picture 3">
+            <a:extLst>
+              <a:ext uri="{FF2B5EF4-FFF2-40B4-BE49-F238E27FC236}">
+                <a16:creationId xmlns:a16="http://schemas.microsoft.com/office/drawing/2014/main" id="{8B6A3477-EAED-ED42-AA0E-4043351F9792}"/>
+              </a:ext>
+            </a:extLst>
+          </p:cNvPr>
+          <p:cNvPicPr>
+            <a:picLocks noChangeAspect="1"/>
+          </p:cNvPicPr>
+          <p:nvPr/>
+        </p:nvPicPr>
+        <p:blipFill>
+          <a:blip r:embed="rId2">
+            <a:extLst>
+              <a:ext uri="{28A0092B-C50C-407E-A947-70E740481C1C}">
+                <a14:useLocalDpi xmlns:a14="http://schemas.microsoft.com/office/drawing/2010/main" val="0"/>
+              </a:ext>
+            </a:extLst>
+          </a:blip>
+          <a:stretch>
+            <a:fillRect/>
+          </a:stretch>
+        </p:blipFill>
+        <p:spPr>
+          <a:xfrm>
+            <a:off x="6372200" y="1496395"/>
+            <a:ext cx="2468880" cy="1645920"/>
+          </a:xfrm>
+          <a:prstGeom prst="rect">
+            <a:avLst/>
+          </a:prstGeom>
+        </p:spPr>
+      </p:pic>
+      <p:pic>
+        <p:nvPicPr>
+          <p:cNvPr id="8" name="Picture 7">
+            <a:extLst>
+              <a:ext uri="{FF2B5EF4-FFF2-40B4-BE49-F238E27FC236}">
+                <a16:creationId xmlns:a16="http://schemas.microsoft.com/office/drawing/2014/main" id="{B25E3CA6-2FBA-3545-BCE5-DDB8DB1268AB}"/>
+              </a:ext>
+            </a:extLst>
+          </p:cNvPr>
+          <p:cNvPicPr>
+            <a:picLocks noChangeAspect="1"/>
+          </p:cNvPicPr>
+          <p:nvPr/>
+        </p:nvPicPr>
+        <p:blipFill>
+          <a:blip r:embed="rId3">
+            <a:extLst>
+              <a:ext uri="{28A0092B-C50C-407E-A947-70E740481C1C}">
+                <a14:useLocalDpi xmlns:a14="http://schemas.microsoft.com/office/drawing/2010/main" val="0"/>
+              </a:ext>
+            </a:extLst>
+          </a:blip>
+          <a:stretch>
+            <a:fillRect/>
+          </a:stretch>
+        </p:blipFill>
+        <p:spPr>
+          <a:xfrm>
+            <a:off x="6372200" y="3194430"/>
+            <a:ext cx="2468880" cy="1645920"/>
+          </a:xfrm>
+          <a:prstGeom prst="rect">
+            <a:avLst/>
+          </a:prstGeom>
+        </p:spPr>
+      </p:pic>
+      <p:pic>
+        <p:nvPicPr>
+          <p:cNvPr id="10" name="Picture 9">
+            <a:extLst>
+              <a:ext uri="{FF2B5EF4-FFF2-40B4-BE49-F238E27FC236}">
+                <a16:creationId xmlns:a16="http://schemas.microsoft.com/office/drawing/2014/main" id="{F4E3BABA-6269-5547-BBB7-DE1BC93E6732}"/>
+              </a:ext>
+            </a:extLst>
+          </p:cNvPr>
+          <p:cNvPicPr>
+            <a:picLocks noChangeAspect="1"/>
+          </p:cNvPicPr>
+          <p:nvPr/>
+        </p:nvPicPr>
+        <p:blipFill>
+          <a:blip r:embed="rId4">
+            <a:extLst>
+              <a:ext uri="{28A0092B-C50C-407E-A947-70E740481C1C}">
+                <a14:useLocalDpi xmlns:a14="http://schemas.microsoft.com/office/drawing/2010/main" val="0"/>
+              </a:ext>
+            </a:extLst>
+          </a:blip>
+          <a:stretch>
+            <a:fillRect/>
+          </a:stretch>
+        </p:blipFill>
+        <p:spPr>
+          <a:xfrm>
+            <a:off x="6372200" y="4898077"/>
+            <a:ext cx="2468880" cy="1645920"/>
+          </a:xfrm>
+          <a:prstGeom prst="rect">
+            <a:avLst/>
+          </a:prstGeom>
+        </p:spPr>
+      </p:pic>
     </p:spTree>
     <p:extLst>
       <p:ext uri="{BB962C8B-B14F-4D97-AF65-F5344CB8AC3E}">
-        <p14:creationId xmlns:p14="http://schemas.microsoft.com/office/powerpoint/2010/main" val="897831138"/>
+        <p14:creationId xmlns:p14="http://schemas.microsoft.com/office/powerpoint/2010/main" val="3799047781"/>
+      </p:ext>
+    </p:extLst>
+  </p:cSld>
+  <p:clrMapOvr>
+    <a:masterClrMapping/>
+  </p:clrMapOvr>
+</p:sld>
+</file>
+
+<file path=ppt/slides/slide6.xml><?xml version="1.0" encoding="utf-8"?>
+<p:sld xmlns:a="http://schemas.openxmlformats.org/drawingml/2006/main" xmlns:r="http://schemas.openxmlformats.org/officeDocument/2006/relationships" xmlns:p="http://schemas.openxmlformats.org/presentationml/2006/main">
+  <p:cSld>
+    <p:spTree>
+      <p:nvGrpSpPr>
+        <p:cNvPr id="1" name=""/>
+        <p:cNvGrpSpPr/>
+        <p:nvPr/>
+      </p:nvGrpSpPr>
+      <p:grpSpPr>
+        <a:xfrm>
+          <a:off x="0" y="0"/>
+          <a:ext cx="0" cy="0"/>
+          <a:chOff x="0" y="0"/>
+          <a:chExt cx="0" cy="0"/>
+        </a:xfrm>
+      </p:grpSpPr>
+      <p:sp>
+        <p:nvSpPr>
+          <p:cNvPr id="195586" name="Rectangle 2"/>
+          <p:cNvSpPr>
+            <a:spLocks noGrp="1" noChangeArrowheads="1"/>
+          </p:cNvSpPr>
+          <p:nvPr>
+            <p:ph type="title"/>
+          </p:nvPr>
+        </p:nvSpPr>
+        <p:spPr>
+          <a:xfrm>
+            <a:off x="1908175" y="404813"/>
+            <a:ext cx="6767513" cy="1079500"/>
+          </a:xfrm>
+        </p:spPr>
+        <p:txBody>
+          <a:bodyPr/>
+          <a:lstStyle/>
+          <a:p>
+            <a:r>
+              <a:rPr lang="en-US" sz="2400" dirty="0"/>
+              <a:t>Plotting the Data:</a:t>
+            </a:r>
+            <a:br>
+              <a:rPr lang="en-US" sz="2400" dirty="0"/>
+            </a:br>
+            <a:r>
+              <a:rPr lang="en-US" sz="2400" dirty="0"/>
+              <a:t>Location of the fire by Latitude vs. Humidity</a:t>
+            </a:r>
+            <a:br>
+              <a:rPr lang="en-US" sz="2400" dirty="0"/>
+            </a:br>
+            <a:r>
+              <a:rPr lang="en-US" sz="2400" dirty="0"/>
+              <a:t>on the date the fire started</a:t>
+            </a:r>
+          </a:p>
+        </p:txBody>
+      </p:sp>
+      <p:sp>
+        <p:nvSpPr>
+          <p:cNvPr id="195587" name="Rectangle 3"/>
+          <p:cNvSpPr>
+            <a:spLocks noGrp="1" noChangeArrowheads="1"/>
+          </p:cNvSpPr>
+          <p:nvPr>
+            <p:ph type="body" idx="1"/>
+          </p:nvPr>
+        </p:nvSpPr>
+        <p:spPr>
+          <a:xfrm>
+            <a:off x="1908175" y="1700213"/>
+            <a:ext cx="6778625" cy="4968875"/>
+          </a:xfrm>
+        </p:spPr>
+        <p:txBody>
+          <a:bodyPr/>
+          <a:lstStyle/>
+          <a:p>
+            <a:pPr>
+              <a:lnSpc>
+                <a:spcPct val="80000"/>
+              </a:lnSpc>
+            </a:pPr>
+            <a:r>
+              <a:rPr lang="en-US" sz="1600" dirty="0"/>
+              <a:t>Is there a relationship of humidity levels</a:t>
+            </a:r>
+          </a:p>
+          <a:p>
+            <a:pPr marL="457200" lvl="1" indent="0">
+              <a:lnSpc>
+                <a:spcPct val="80000"/>
+              </a:lnSpc>
+              <a:buNone/>
+            </a:pPr>
+            <a:r>
+              <a:rPr lang="en-US" sz="1600" dirty="0"/>
+              <a:t>to the date a fire breaks out? </a:t>
+            </a:r>
+          </a:p>
+          <a:p>
+            <a:pPr marL="457200" lvl="1" indent="0">
+              <a:lnSpc>
+                <a:spcPct val="80000"/>
+              </a:lnSpc>
+              <a:buNone/>
+            </a:pPr>
+            <a:endParaRPr lang="en-US" sz="1600" dirty="0"/>
+          </a:p>
+          <a:p>
+            <a:pPr marL="400050">
+              <a:lnSpc>
+                <a:spcPct val="80000"/>
+              </a:lnSpc>
+            </a:pPr>
+            <a:r>
+              <a:rPr lang="en-US" sz="1600" dirty="0"/>
+              <a:t>How does humidity by</a:t>
+            </a:r>
+          </a:p>
+          <a:p>
+            <a:pPr marL="457200" lvl="1" indent="0">
+              <a:lnSpc>
+                <a:spcPct val="80000"/>
+              </a:lnSpc>
+              <a:buNone/>
+            </a:pPr>
+            <a:r>
+              <a:rPr lang="en-US" sz="1600" dirty="0"/>
+              <a:t>latitude (north vs south) impact</a:t>
+            </a:r>
+          </a:p>
+          <a:p>
+            <a:pPr marL="457200" lvl="1" indent="0">
+              <a:lnSpc>
+                <a:spcPct val="80000"/>
+              </a:lnSpc>
+              <a:buNone/>
+            </a:pPr>
+            <a:r>
+              <a:rPr lang="en-US" sz="1600" dirty="0"/>
+              <a:t>the start of a fire?</a:t>
+            </a:r>
+          </a:p>
+          <a:p>
+            <a:pPr marL="457200" lvl="1" indent="0">
+              <a:lnSpc>
+                <a:spcPct val="80000"/>
+              </a:lnSpc>
+              <a:buNone/>
+            </a:pPr>
+            <a:r>
+              <a:rPr lang="en-US" sz="1600" dirty="0"/>
+              <a:t> </a:t>
+            </a:r>
+          </a:p>
+          <a:p>
+            <a:pPr>
+              <a:lnSpc>
+                <a:spcPct val="80000"/>
+              </a:lnSpc>
+            </a:pPr>
+            <a:r>
+              <a:rPr lang="en-US" sz="1600" dirty="0"/>
+              <a:t>Do lower humidity levels (drier conditions)</a:t>
+            </a:r>
+          </a:p>
+          <a:p>
+            <a:pPr marL="457200" lvl="1" indent="0">
+              <a:lnSpc>
+                <a:spcPct val="80000"/>
+              </a:lnSpc>
+              <a:buNone/>
+            </a:pPr>
+            <a:r>
+              <a:rPr lang="en-US" sz="1600" dirty="0"/>
+              <a:t>lead to more fires? </a:t>
+            </a:r>
+          </a:p>
+          <a:p>
+            <a:pPr marL="0" indent="0">
+              <a:lnSpc>
+                <a:spcPct val="80000"/>
+              </a:lnSpc>
+              <a:buNone/>
+            </a:pPr>
+            <a:endParaRPr lang="en-US" sz="1600" dirty="0"/>
+          </a:p>
+          <a:p>
+            <a:pPr marL="0" indent="0">
+              <a:lnSpc>
+                <a:spcPct val="80000"/>
+              </a:lnSpc>
+              <a:buNone/>
+            </a:pPr>
+            <a:r>
+              <a:rPr lang="en-US" sz="1600" dirty="0"/>
+              <a:t>Conclusion:</a:t>
+            </a:r>
+          </a:p>
+          <a:p>
+            <a:pPr marL="0" indent="0">
+              <a:lnSpc>
+                <a:spcPct val="80000"/>
+              </a:lnSpc>
+              <a:buNone/>
+            </a:pPr>
+            <a:endParaRPr lang="en-US" sz="1600" dirty="0"/>
+          </a:p>
+          <a:p>
+            <a:pPr marL="0" indent="0">
+              <a:lnSpc>
+                <a:spcPct val="80000"/>
+              </a:lnSpc>
+              <a:buNone/>
+            </a:pPr>
+            <a:r>
+              <a:rPr lang="en-US" sz="1600" dirty="0"/>
+              <a:t>Yes, based on this data, lower humidity rates</a:t>
+            </a:r>
+          </a:p>
+          <a:p>
+            <a:pPr marL="0" indent="0">
+              <a:lnSpc>
+                <a:spcPct val="80000"/>
+              </a:lnSpc>
+              <a:buNone/>
+            </a:pPr>
+            <a:r>
+              <a:rPr lang="en-US" sz="1600" dirty="0"/>
+              <a:t>can contribute to the start of a fire. </a:t>
+            </a:r>
+          </a:p>
+          <a:p>
+            <a:pPr marL="0" indent="0">
+              <a:lnSpc>
+                <a:spcPct val="80000"/>
+              </a:lnSpc>
+              <a:buNone/>
+            </a:pPr>
+            <a:endParaRPr lang="en-US" sz="1400" dirty="0"/>
+          </a:p>
+          <a:p>
+            <a:pPr marL="0" indent="0">
+              <a:lnSpc>
+                <a:spcPct val="80000"/>
+              </a:lnSpc>
+              <a:buNone/>
+            </a:pPr>
+            <a:endParaRPr lang="en-US" sz="1400" dirty="0"/>
+          </a:p>
+          <a:p>
+            <a:pPr marL="0" indent="0">
+              <a:lnSpc>
+                <a:spcPct val="80000"/>
+              </a:lnSpc>
+              <a:buNone/>
+            </a:pPr>
+            <a:endParaRPr lang="en-US" sz="1400" dirty="0"/>
+          </a:p>
+          <a:p>
+            <a:pPr marL="0" indent="0">
+              <a:lnSpc>
+                <a:spcPct val="80000"/>
+              </a:lnSpc>
+              <a:buNone/>
+            </a:pPr>
+            <a:endParaRPr lang="en-US" sz="1400" dirty="0"/>
+          </a:p>
+          <a:p>
+            <a:pPr marL="0" indent="0">
+              <a:lnSpc>
+                <a:spcPct val="80000"/>
+              </a:lnSpc>
+              <a:buNone/>
+            </a:pPr>
+            <a:r>
+              <a:rPr lang="en-US" sz="1400" dirty="0"/>
+              <a:t>Lower latitudes = Southern California </a:t>
+            </a:r>
+          </a:p>
+          <a:p>
+            <a:pPr marL="0" indent="0">
+              <a:lnSpc>
+                <a:spcPct val="80000"/>
+              </a:lnSpc>
+              <a:buNone/>
+            </a:pPr>
+            <a:r>
+              <a:rPr lang="en-US" sz="1400" dirty="0"/>
+              <a:t>Higher latitudes = Northern California</a:t>
+            </a:r>
+          </a:p>
+          <a:p>
+            <a:pPr marL="0" indent="0">
+              <a:lnSpc>
+                <a:spcPct val="80000"/>
+              </a:lnSpc>
+              <a:buNone/>
+            </a:pPr>
+            <a:endParaRPr lang="en-US" sz="1400" dirty="0"/>
+          </a:p>
+          <a:p>
+            <a:pPr marL="0" indent="0">
+              <a:lnSpc>
+                <a:spcPct val="80000"/>
+              </a:lnSpc>
+              <a:buNone/>
+            </a:pPr>
+            <a:endParaRPr lang="en-US" sz="1400" dirty="0"/>
+          </a:p>
+          <a:p>
+            <a:pPr marL="0" indent="0">
+              <a:lnSpc>
+                <a:spcPct val="80000"/>
+              </a:lnSpc>
+              <a:buNone/>
+            </a:pPr>
+            <a:endParaRPr lang="en-US" dirty="0"/>
+          </a:p>
+          <a:p>
+            <a:pPr marL="0" indent="0">
+              <a:lnSpc>
+                <a:spcPct val="80000"/>
+              </a:lnSpc>
+              <a:buNone/>
+            </a:pPr>
+            <a:endParaRPr lang="en-US" dirty="0"/>
+          </a:p>
+        </p:txBody>
+      </p:sp>
+      <p:pic>
+        <p:nvPicPr>
+          <p:cNvPr id="3" name="Picture 2">
+            <a:extLst>
+              <a:ext uri="{FF2B5EF4-FFF2-40B4-BE49-F238E27FC236}">
+                <a16:creationId xmlns:a16="http://schemas.microsoft.com/office/drawing/2014/main" id="{94AA4E9A-241B-F747-9F93-09704A634E67}"/>
+              </a:ext>
+            </a:extLst>
+          </p:cNvPr>
+          <p:cNvPicPr>
+            <a:picLocks noChangeAspect="1"/>
+          </p:cNvPicPr>
+          <p:nvPr/>
+        </p:nvPicPr>
+        <p:blipFill>
+          <a:blip r:embed="rId2">
+            <a:extLst>
+              <a:ext uri="{28A0092B-C50C-407E-A947-70E740481C1C}">
+                <a14:useLocalDpi xmlns:a14="http://schemas.microsoft.com/office/drawing/2010/main" val="0"/>
+              </a:ext>
+            </a:extLst>
+          </a:blip>
+          <a:stretch>
+            <a:fillRect/>
+          </a:stretch>
+        </p:blipFill>
+        <p:spPr>
+          <a:xfrm>
+            <a:off x="6455455" y="3346133"/>
+            <a:ext cx="2468880" cy="1645920"/>
+          </a:xfrm>
+          <a:prstGeom prst="rect">
+            <a:avLst/>
+          </a:prstGeom>
+        </p:spPr>
+      </p:pic>
+      <p:pic>
+        <p:nvPicPr>
+          <p:cNvPr id="5" name="Picture 4">
+            <a:extLst>
+              <a:ext uri="{FF2B5EF4-FFF2-40B4-BE49-F238E27FC236}">
+                <a16:creationId xmlns:a16="http://schemas.microsoft.com/office/drawing/2014/main" id="{E0A5B566-F88E-F14F-AD07-0B968813CF0D}"/>
+              </a:ext>
+            </a:extLst>
+          </p:cNvPr>
+          <p:cNvPicPr>
+            <a:picLocks noChangeAspect="1"/>
+          </p:cNvPicPr>
+          <p:nvPr/>
+        </p:nvPicPr>
+        <p:blipFill>
+          <a:blip r:embed="rId3">
+            <a:extLst>
+              <a:ext uri="{28A0092B-C50C-407E-A947-70E740481C1C}">
+                <a14:useLocalDpi xmlns:a14="http://schemas.microsoft.com/office/drawing/2010/main" val="0"/>
+              </a:ext>
+            </a:extLst>
+          </a:blip>
+          <a:stretch>
+            <a:fillRect/>
+          </a:stretch>
+        </p:blipFill>
+        <p:spPr>
+          <a:xfrm>
+            <a:off x="6420993" y="1700213"/>
+            <a:ext cx="2468880" cy="1645920"/>
+          </a:xfrm>
+          <a:prstGeom prst="rect">
+            <a:avLst/>
+          </a:prstGeom>
+        </p:spPr>
+      </p:pic>
+      <p:pic>
+        <p:nvPicPr>
+          <p:cNvPr id="7" name="Picture 6">
+            <a:extLst>
+              <a:ext uri="{FF2B5EF4-FFF2-40B4-BE49-F238E27FC236}">
+                <a16:creationId xmlns:a16="http://schemas.microsoft.com/office/drawing/2014/main" id="{B06CE1ED-B9D8-6A43-8D63-FDA67207FFD0}"/>
+              </a:ext>
+            </a:extLst>
+          </p:cNvPr>
+          <p:cNvPicPr>
+            <a:picLocks noChangeAspect="1"/>
+          </p:cNvPicPr>
+          <p:nvPr/>
+        </p:nvPicPr>
+        <p:blipFill>
+          <a:blip r:embed="rId4">
+            <a:extLst>
+              <a:ext uri="{28A0092B-C50C-407E-A947-70E740481C1C}">
+                <a14:useLocalDpi xmlns:a14="http://schemas.microsoft.com/office/drawing/2010/main" val="0"/>
+              </a:ext>
+            </a:extLst>
+          </a:blip>
+          <a:stretch>
+            <a:fillRect/>
+          </a:stretch>
+        </p:blipFill>
+        <p:spPr>
+          <a:xfrm>
+            <a:off x="6455455" y="4917944"/>
+            <a:ext cx="2468880" cy="1645920"/>
+          </a:xfrm>
+          <a:prstGeom prst="rect">
+            <a:avLst/>
+          </a:prstGeom>
+        </p:spPr>
+      </p:pic>
+    </p:spTree>
+    <p:extLst>
+      <p:ext uri="{BB962C8B-B14F-4D97-AF65-F5344CB8AC3E}">
+        <p14:creationId xmlns:p14="http://schemas.microsoft.com/office/powerpoint/2010/main" val="3386582831"/>
+      </p:ext>
+    </p:extLst>
+  </p:cSld>
+  <p:clrMapOvr>
+    <a:masterClrMapping/>
+  </p:clrMapOvr>
+</p:sld>
+</file>
+
+<file path=ppt/slides/slide7.xml><?xml version="1.0" encoding="utf-8"?>
+<p:sld xmlns:a="http://schemas.openxmlformats.org/drawingml/2006/main" xmlns:r="http://schemas.openxmlformats.org/officeDocument/2006/relationships" xmlns:p="http://schemas.openxmlformats.org/presentationml/2006/main">
+  <p:cSld>
+    <p:spTree>
+      <p:nvGrpSpPr>
+        <p:cNvPr id="1" name=""/>
+        <p:cNvGrpSpPr/>
+        <p:nvPr/>
+      </p:nvGrpSpPr>
+      <p:grpSpPr>
+        <a:xfrm>
+          <a:off x="0" y="0"/>
+          <a:ext cx="0" cy="0"/>
+          <a:chOff x="0" y="0"/>
+          <a:chExt cx="0" cy="0"/>
+        </a:xfrm>
+      </p:grpSpPr>
+      <p:sp>
+        <p:nvSpPr>
+          <p:cNvPr id="195586" name="Rectangle 2"/>
+          <p:cNvSpPr>
+            <a:spLocks noGrp="1" noChangeArrowheads="1"/>
+          </p:cNvSpPr>
+          <p:nvPr>
+            <p:ph type="title"/>
+          </p:nvPr>
+        </p:nvSpPr>
+        <p:spPr>
+          <a:xfrm>
+            <a:off x="1908175" y="404813"/>
+            <a:ext cx="6767513" cy="1079500"/>
+          </a:xfrm>
+        </p:spPr>
+        <p:txBody>
+          <a:bodyPr/>
+          <a:lstStyle/>
+          <a:p>
+            <a:r>
+              <a:rPr lang="en-US" sz="2300" dirty="0"/>
+              <a:t>Plotting the Data:</a:t>
+            </a:r>
+            <a:br>
+              <a:rPr lang="en-US" sz="2300" dirty="0"/>
+            </a:br>
+            <a:r>
+              <a:rPr lang="en-US" sz="2300" dirty="0"/>
+              <a:t>Location of the fire by Longitude vs. Humidity</a:t>
+            </a:r>
+            <a:br>
+              <a:rPr lang="en-US" sz="2300" dirty="0"/>
+            </a:br>
+            <a:r>
+              <a:rPr lang="en-US" sz="2300" dirty="0"/>
+              <a:t>on the date the fire started</a:t>
+            </a:r>
+          </a:p>
+        </p:txBody>
+      </p:sp>
+      <p:sp>
+        <p:nvSpPr>
+          <p:cNvPr id="195587" name="Rectangle 3"/>
+          <p:cNvSpPr>
+            <a:spLocks noGrp="1" noChangeArrowheads="1"/>
+          </p:cNvSpPr>
+          <p:nvPr>
+            <p:ph type="body" idx="1"/>
+          </p:nvPr>
+        </p:nvSpPr>
+        <p:spPr>
+          <a:xfrm>
+            <a:off x="1908175" y="1700213"/>
+            <a:ext cx="6778625" cy="4968875"/>
+          </a:xfrm>
+        </p:spPr>
+        <p:txBody>
+          <a:bodyPr/>
+          <a:lstStyle/>
+          <a:p>
+            <a:pPr>
+              <a:lnSpc>
+                <a:spcPct val="80000"/>
+              </a:lnSpc>
+            </a:pPr>
+            <a:r>
+              <a:rPr lang="en-US" sz="1600" dirty="0"/>
+              <a:t>Is there a relationship of humidity levels</a:t>
+            </a:r>
+          </a:p>
+          <a:p>
+            <a:pPr marL="457200" lvl="1" indent="0">
+              <a:lnSpc>
+                <a:spcPct val="80000"/>
+              </a:lnSpc>
+              <a:buNone/>
+            </a:pPr>
+            <a:r>
+              <a:rPr lang="en-US" sz="1600" dirty="0"/>
+              <a:t>to the date a fire breaks out? </a:t>
+            </a:r>
+          </a:p>
+          <a:p>
+            <a:pPr marL="457200" lvl="1" indent="0">
+              <a:lnSpc>
+                <a:spcPct val="80000"/>
+              </a:lnSpc>
+              <a:buNone/>
+            </a:pPr>
+            <a:endParaRPr lang="en-US" sz="1600" dirty="0"/>
+          </a:p>
+          <a:p>
+            <a:pPr marL="400050">
+              <a:lnSpc>
+                <a:spcPct val="80000"/>
+              </a:lnSpc>
+            </a:pPr>
+            <a:r>
+              <a:rPr lang="en-US" sz="1600" dirty="0"/>
+              <a:t>How does humidity by</a:t>
+            </a:r>
+          </a:p>
+          <a:p>
+            <a:pPr marL="457200" lvl="1" indent="0">
+              <a:lnSpc>
+                <a:spcPct val="80000"/>
+              </a:lnSpc>
+              <a:buNone/>
+            </a:pPr>
+            <a:r>
+              <a:rPr lang="en-US" sz="1600" dirty="0"/>
+              <a:t>latitude (east vs west) impact</a:t>
+            </a:r>
+          </a:p>
+          <a:p>
+            <a:pPr marL="457200" lvl="1" indent="0">
+              <a:lnSpc>
+                <a:spcPct val="80000"/>
+              </a:lnSpc>
+              <a:buNone/>
+            </a:pPr>
+            <a:r>
+              <a:rPr lang="en-US" sz="1600" dirty="0"/>
+              <a:t>the start of a fire?</a:t>
+            </a:r>
+          </a:p>
+          <a:p>
+            <a:pPr marL="457200" lvl="1" indent="0">
+              <a:lnSpc>
+                <a:spcPct val="80000"/>
+              </a:lnSpc>
+              <a:buNone/>
+            </a:pPr>
+            <a:r>
+              <a:rPr lang="en-US" sz="1600" dirty="0"/>
+              <a:t> </a:t>
+            </a:r>
+          </a:p>
+          <a:p>
+            <a:pPr>
+              <a:lnSpc>
+                <a:spcPct val="80000"/>
+              </a:lnSpc>
+            </a:pPr>
+            <a:r>
+              <a:rPr lang="en-US" sz="1600" dirty="0"/>
+              <a:t>Do lower humidity levels (drier conditions)</a:t>
+            </a:r>
+          </a:p>
+          <a:p>
+            <a:pPr marL="457200" lvl="1" indent="0">
+              <a:lnSpc>
+                <a:spcPct val="80000"/>
+              </a:lnSpc>
+              <a:buNone/>
+            </a:pPr>
+            <a:r>
+              <a:rPr lang="en-US" sz="1600" dirty="0"/>
+              <a:t>lead to more fires? </a:t>
+            </a:r>
+          </a:p>
+          <a:p>
+            <a:pPr marL="0" indent="0">
+              <a:lnSpc>
+                <a:spcPct val="80000"/>
+              </a:lnSpc>
+              <a:buNone/>
+            </a:pPr>
+            <a:endParaRPr lang="en-US" sz="1600" dirty="0"/>
+          </a:p>
+          <a:p>
+            <a:pPr marL="0" indent="0">
+              <a:lnSpc>
+                <a:spcPct val="80000"/>
+              </a:lnSpc>
+              <a:buNone/>
+            </a:pPr>
+            <a:r>
+              <a:rPr lang="en-US" sz="1600" dirty="0"/>
+              <a:t>Conclusion:</a:t>
+            </a:r>
+          </a:p>
+          <a:p>
+            <a:pPr marL="0" indent="0">
+              <a:lnSpc>
+                <a:spcPct val="80000"/>
+              </a:lnSpc>
+              <a:buNone/>
+            </a:pPr>
+            <a:endParaRPr lang="en-US" sz="1600" dirty="0"/>
+          </a:p>
+          <a:p>
+            <a:pPr marL="0" indent="0">
+              <a:lnSpc>
+                <a:spcPct val="80000"/>
+              </a:lnSpc>
+              <a:buNone/>
+            </a:pPr>
+            <a:r>
+              <a:rPr lang="en-US" sz="1600" dirty="0"/>
+              <a:t>Yes, based on this data, lower humidity rates</a:t>
+            </a:r>
+          </a:p>
+          <a:p>
+            <a:pPr marL="0" indent="0">
+              <a:lnSpc>
+                <a:spcPct val="80000"/>
+              </a:lnSpc>
+              <a:buNone/>
+            </a:pPr>
+            <a:r>
+              <a:rPr lang="en-US" sz="1600" dirty="0"/>
+              <a:t>can contribute to the start of a fire. </a:t>
+            </a:r>
+          </a:p>
+          <a:p>
+            <a:pPr marL="0" indent="0">
+              <a:lnSpc>
+                <a:spcPct val="80000"/>
+              </a:lnSpc>
+              <a:buNone/>
+            </a:pPr>
+            <a:endParaRPr lang="en-US" sz="1400" dirty="0"/>
+          </a:p>
+          <a:p>
+            <a:pPr marL="0" indent="0">
+              <a:lnSpc>
+                <a:spcPct val="80000"/>
+              </a:lnSpc>
+              <a:buNone/>
+            </a:pPr>
+            <a:endParaRPr lang="en-US" sz="1400" dirty="0"/>
+          </a:p>
+          <a:p>
+            <a:pPr marL="0" indent="0">
+              <a:lnSpc>
+                <a:spcPct val="80000"/>
+              </a:lnSpc>
+              <a:buNone/>
+            </a:pPr>
+            <a:endParaRPr lang="en-US" sz="1400" dirty="0"/>
+          </a:p>
+          <a:p>
+            <a:pPr marL="0" indent="0">
+              <a:lnSpc>
+                <a:spcPct val="80000"/>
+              </a:lnSpc>
+              <a:buNone/>
+            </a:pPr>
+            <a:r>
+              <a:rPr lang="en-US" sz="1400" dirty="0"/>
+              <a:t>Lower longitude = Western California </a:t>
+            </a:r>
+          </a:p>
+          <a:p>
+            <a:pPr marL="0" indent="0">
+              <a:lnSpc>
+                <a:spcPct val="80000"/>
+              </a:lnSpc>
+              <a:buNone/>
+            </a:pPr>
+            <a:r>
+              <a:rPr lang="en-US" sz="1400" dirty="0"/>
+              <a:t>Higher longitude = Eastern California</a:t>
+            </a:r>
+          </a:p>
+          <a:p>
+            <a:pPr marL="0" indent="0">
+              <a:lnSpc>
+                <a:spcPct val="80000"/>
+              </a:lnSpc>
+              <a:buNone/>
+            </a:pPr>
+            <a:endParaRPr lang="en-US" sz="1400" dirty="0"/>
+          </a:p>
+          <a:p>
+            <a:pPr marL="0" indent="0">
+              <a:lnSpc>
+                <a:spcPct val="80000"/>
+              </a:lnSpc>
+              <a:buNone/>
+            </a:pPr>
+            <a:endParaRPr lang="en-US" sz="1400" dirty="0"/>
+          </a:p>
+          <a:p>
+            <a:pPr marL="0" indent="0">
+              <a:lnSpc>
+                <a:spcPct val="80000"/>
+              </a:lnSpc>
+              <a:buNone/>
+            </a:pPr>
+            <a:endParaRPr lang="en-US" dirty="0"/>
+          </a:p>
+          <a:p>
+            <a:pPr marL="0" indent="0">
+              <a:lnSpc>
+                <a:spcPct val="80000"/>
+              </a:lnSpc>
+              <a:buNone/>
+            </a:pPr>
+            <a:endParaRPr lang="en-US" dirty="0"/>
+          </a:p>
+        </p:txBody>
+      </p:sp>
+      <p:pic>
+        <p:nvPicPr>
+          <p:cNvPr id="3" name="Picture 2">
+            <a:extLst>
+              <a:ext uri="{FF2B5EF4-FFF2-40B4-BE49-F238E27FC236}">
+                <a16:creationId xmlns:a16="http://schemas.microsoft.com/office/drawing/2014/main" id="{6A533050-8345-5C47-BF1A-D2D30239A676}"/>
+              </a:ext>
+            </a:extLst>
+          </p:cNvPr>
+          <p:cNvPicPr>
+            <a:picLocks noChangeAspect="1"/>
+          </p:cNvPicPr>
+          <p:nvPr/>
+        </p:nvPicPr>
+        <p:blipFill>
+          <a:blip r:embed="rId2">
+            <a:extLst>
+              <a:ext uri="{28A0092B-C50C-407E-A947-70E740481C1C}">
+                <a14:useLocalDpi xmlns:a14="http://schemas.microsoft.com/office/drawing/2010/main" val="0"/>
+              </a:ext>
+            </a:extLst>
+          </a:blip>
+          <a:stretch>
+            <a:fillRect/>
+          </a:stretch>
+        </p:blipFill>
+        <p:spPr>
+          <a:xfrm>
+            <a:off x="6516216" y="1751760"/>
+            <a:ext cx="2468880" cy="1645920"/>
+          </a:xfrm>
+          <a:prstGeom prst="rect">
+            <a:avLst/>
+          </a:prstGeom>
+        </p:spPr>
+      </p:pic>
+      <p:pic>
+        <p:nvPicPr>
+          <p:cNvPr id="6" name="Picture 5">
+            <a:extLst>
+              <a:ext uri="{FF2B5EF4-FFF2-40B4-BE49-F238E27FC236}">
+                <a16:creationId xmlns:a16="http://schemas.microsoft.com/office/drawing/2014/main" id="{91AAEE91-61B7-8040-A797-02E37B2935E6}"/>
+              </a:ext>
+            </a:extLst>
+          </p:cNvPr>
+          <p:cNvPicPr>
+            <a:picLocks noChangeAspect="1"/>
+          </p:cNvPicPr>
+          <p:nvPr/>
+        </p:nvPicPr>
+        <p:blipFill>
+          <a:blip r:embed="rId3">
+            <a:extLst>
+              <a:ext uri="{28A0092B-C50C-407E-A947-70E740481C1C}">
+                <a14:useLocalDpi xmlns:a14="http://schemas.microsoft.com/office/drawing/2010/main" val="0"/>
+              </a:ext>
+            </a:extLst>
+          </a:blip>
+          <a:stretch>
+            <a:fillRect/>
+          </a:stretch>
+        </p:blipFill>
+        <p:spPr>
+          <a:xfrm>
+            <a:off x="6516216" y="3377248"/>
+            <a:ext cx="2468880" cy="1645920"/>
+          </a:xfrm>
+          <a:prstGeom prst="rect">
+            <a:avLst/>
+          </a:prstGeom>
+        </p:spPr>
+      </p:pic>
+      <p:pic>
+        <p:nvPicPr>
+          <p:cNvPr id="9" name="Picture 8">
+            <a:extLst>
+              <a:ext uri="{FF2B5EF4-FFF2-40B4-BE49-F238E27FC236}">
+                <a16:creationId xmlns:a16="http://schemas.microsoft.com/office/drawing/2014/main" id="{CF8BFAA0-1333-744A-ACC6-A0EC2434C9E3}"/>
+              </a:ext>
+            </a:extLst>
+          </p:cNvPr>
+          <p:cNvPicPr>
+            <a:picLocks noChangeAspect="1"/>
+          </p:cNvPicPr>
+          <p:nvPr/>
+        </p:nvPicPr>
+        <p:blipFill>
+          <a:blip r:embed="rId4">
+            <a:extLst>
+              <a:ext uri="{28A0092B-C50C-407E-A947-70E740481C1C}">
+                <a14:useLocalDpi xmlns:a14="http://schemas.microsoft.com/office/drawing/2010/main" val="0"/>
+              </a:ext>
+            </a:extLst>
+          </a:blip>
+          <a:stretch>
+            <a:fillRect/>
+          </a:stretch>
+        </p:blipFill>
+        <p:spPr>
+          <a:xfrm>
+            <a:off x="6516216" y="5023168"/>
+            <a:ext cx="2468880" cy="1645920"/>
+          </a:xfrm>
+          <a:prstGeom prst="rect">
+            <a:avLst/>
+          </a:prstGeom>
+        </p:spPr>
+      </p:pic>
+    </p:spTree>
+    <p:extLst>
+      <p:ext uri="{BB962C8B-B14F-4D97-AF65-F5344CB8AC3E}">
+        <p14:creationId xmlns:p14="http://schemas.microsoft.com/office/powerpoint/2010/main" val="3686423176"/>
+      </p:ext>
+    </p:extLst>
+  </p:cSld>
+  <p:clrMapOvr>
+    <a:masterClrMapping/>
+  </p:clrMapOvr>
+</p:sld>
+</file>
+
+<file path=ppt/slides/slide8.xml><?xml version="1.0" encoding="utf-8"?>
+<p:sld xmlns:a="http://schemas.openxmlformats.org/drawingml/2006/main" xmlns:r="http://schemas.openxmlformats.org/officeDocument/2006/relationships" xmlns:p="http://schemas.openxmlformats.org/presentationml/2006/main">
+  <p:cSld>
+    <p:spTree>
+      <p:nvGrpSpPr>
+        <p:cNvPr id="1" name=""/>
+        <p:cNvGrpSpPr/>
+        <p:nvPr/>
+      </p:nvGrpSpPr>
+      <p:grpSpPr>
+        <a:xfrm>
+          <a:off x="0" y="0"/>
+          <a:ext cx="0" cy="0"/>
+          <a:chOff x="0" y="0"/>
+          <a:chExt cx="0" cy="0"/>
+        </a:xfrm>
+      </p:grpSpPr>
+      <p:sp>
+        <p:nvSpPr>
+          <p:cNvPr id="195586" name="Rectangle 2"/>
+          <p:cNvSpPr>
+            <a:spLocks noGrp="1" noChangeArrowheads="1"/>
+          </p:cNvSpPr>
+          <p:nvPr>
+            <p:ph type="title"/>
+          </p:nvPr>
+        </p:nvSpPr>
+        <p:spPr>
+          <a:xfrm>
+            <a:off x="1908175" y="404813"/>
+            <a:ext cx="6767513" cy="1079500"/>
+          </a:xfrm>
+        </p:spPr>
+        <p:txBody>
+          <a:bodyPr/>
+          <a:lstStyle/>
+          <a:p>
+            <a:r>
+              <a:rPr lang="en-US" sz="2300" dirty="0"/>
+              <a:t>Plotting the Data:</a:t>
+            </a:r>
+            <a:br>
+              <a:rPr lang="en-US" sz="2300" dirty="0"/>
+            </a:br>
+            <a:r>
+              <a:rPr lang="en-US" sz="2300" dirty="0"/>
+              <a:t>Weather Conditions the Day a Fire Starts - Temperature</a:t>
+            </a:r>
+          </a:p>
+        </p:txBody>
+      </p:sp>
+      <p:sp>
+        <p:nvSpPr>
+          <p:cNvPr id="195587" name="Rectangle 3"/>
+          <p:cNvSpPr>
+            <a:spLocks noGrp="1" noChangeArrowheads="1"/>
+          </p:cNvSpPr>
+          <p:nvPr>
+            <p:ph type="body" idx="1"/>
+          </p:nvPr>
+        </p:nvSpPr>
+        <p:spPr>
+          <a:xfrm>
+            <a:off x="1908175" y="1700213"/>
+            <a:ext cx="6778625" cy="4968875"/>
+          </a:xfrm>
+        </p:spPr>
+        <p:txBody>
+          <a:bodyPr/>
+          <a:lstStyle/>
+          <a:p>
+            <a:pPr>
+              <a:lnSpc>
+                <a:spcPct val="80000"/>
+              </a:lnSpc>
+            </a:pPr>
+            <a:r>
+              <a:rPr lang="en-US" sz="1600" dirty="0"/>
+              <a:t>Does the daily weather conditions increase</a:t>
+            </a:r>
+          </a:p>
+          <a:p>
+            <a:pPr marL="457200" lvl="1" indent="0">
+              <a:lnSpc>
+                <a:spcPct val="80000"/>
+              </a:lnSpc>
+              <a:buNone/>
+            </a:pPr>
+            <a:r>
+              <a:rPr lang="en-US" sz="1600" dirty="0"/>
+              <a:t>the likelihood a fire will break out?</a:t>
+            </a:r>
+          </a:p>
+          <a:p>
+            <a:pPr marL="457200" lvl="1" indent="0">
+              <a:lnSpc>
+                <a:spcPct val="80000"/>
+              </a:lnSpc>
+              <a:buNone/>
+            </a:pPr>
+            <a:r>
+              <a:rPr lang="en-US" sz="1600" dirty="0"/>
+              <a:t> </a:t>
+            </a:r>
+          </a:p>
+          <a:p>
+            <a:pPr>
+              <a:lnSpc>
+                <a:spcPct val="80000"/>
+              </a:lnSpc>
+            </a:pPr>
+            <a:r>
+              <a:rPr lang="en-US" sz="1600" dirty="0"/>
+              <a:t>Do higher temperatures lead to fires? </a:t>
+            </a:r>
+          </a:p>
+          <a:p>
+            <a:pPr>
+              <a:lnSpc>
+                <a:spcPct val="80000"/>
+              </a:lnSpc>
+            </a:pPr>
+            <a:endParaRPr lang="en-US" sz="1600" dirty="0"/>
+          </a:p>
+          <a:p>
+            <a:pPr>
+              <a:lnSpc>
+                <a:spcPct val="80000"/>
+              </a:lnSpc>
+            </a:pPr>
+            <a:r>
+              <a:rPr lang="en-US" sz="1600" dirty="0"/>
+              <a:t>Is there a “fire season” when fires are more</a:t>
+            </a:r>
+          </a:p>
+          <a:p>
+            <a:pPr marL="457200" lvl="1" indent="0">
+              <a:lnSpc>
+                <a:spcPct val="80000"/>
+              </a:lnSpc>
+              <a:buNone/>
+            </a:pPr>
+            <a:r>
+              <a:rPr lang="en-US" sz="1600" dirty="0"/>
+              <a:t>likely to break out? </a:t>
+            </a:r>
+          </a:p>
+          <a:p>
+            <a:pPr marL="0" indent="0">
+              <a:lnSpc>
+                <a:spcPct val="80000"/>
+              </a:lnSpc>
+              <a:buNone/>
+            </a:pPr>
+            <a:endParaRPr lang="en-US" sz="1600" dirty="0"/>
+          </a:p>
+          <a:p>
+            <a:pPr marL="0" indent="0">
+              <a:lnSpc>
+                <a:spcPct val="80000"/>
+              </a:lnSpc>
+              <a:buNone/>
+            </a:pPr>
+            <a:r>
+              <a:rPr lang="en-US" sz="1600" dirty="0"/>
+              <a:t>Conclusion:</a:t>
+            </a:r>
+          </a:p>
+          <a:p>
+            <a:pPr marL="0" indent="0">
+              <a:lnSpc>
+                <a:spcPct val="80000"/>
+              </a:lnSpc>
+              <a:buNone/>
+            </a:pPr>
+            <a:endParaRPr lang="en-US" sz="1600" dirty="0"/>
+          </a:p>
+          <a:p>
+            <a:pPr marL="0" indent="0">
+              <a:lnSpc>
+                <a:spcPct val="80000"/>
+              </a:lnSpc>
+              <a:buNone/>
+            </a:pPr>
+            <a:r>
+              <a:rPr lang="en-US" sz="1600" dirty="0"/>
+              <a:t>Fire season was contained to a handful of </a:t>
+            </a:r>
+          </a:p>
+          <a:p>
+            <a:pPr marL="0" indent="0">
+              <a:lnSpc>
+                <a:spcPct val="80000"/>
+              </a:lnSpc>
+              <a:buNone/>
+            </a:pPr>
+            <a:r>
+              <a:rPr lang="en-US" sz="1600" dirty="0"/>
+              <a:t>months in the year. During the worst year </a:t>
+            </a:r>
+          </a:p>
+          <a:p>
+            <a:pPr marL="0" indent="0">
+              <a:lnSpc>
+                <a:spcPct val="80000"/>
+              </a:lnSpc>
+              <a:buNone/>
+            </a:pPr>
+            <a:r>
+              <a:rPr lang="en-US" sz="1600" dirty="0"/>
+              <a:t>of fires in California, fires broke out every </a:t>
+            </a:r>
+          </a:p>
+          <a:p>
+            <a:pPr marL="0" indent="0">
+              <a:lnSpc>
+                <a:spcPct val="80000"/>
+              </a:lnSpc>
+              <a:buNone/>
+            </a:pPr>
+            <a:r>
+              <a:rPr lang="en-US" sz="1600" dirty="0"/>
+              <a:t>month, especially when the temperatures</a:t>
+            </a:r>
+          </a:p>
+          <a:p>
+            <a:pPr marL="0" indent="0">
+              <a:lnSpc>
+                <a:spcPct val="80000"/>
+              </a:lnSpc>
+              <a:buNone/>
+            </a:pPr>
+            <a:r>
+              <a:rPr lang="en-US" sz="1600" dirty="0"/>
+              <a:t>were higher.</a:t>
+            </a:r>
+          </a:p>
+          <a:p>
+            <a:pPr marL="0" indent="0">
+              <a:lnSpc>
+                <a:spcPct val="80000"/>
+              </a:lnSpc>
+              <a:buNone/>
+            </a:pPr>
+            <a:endParaRPr lang="en-US" sz="1400" dirty="0"/>
+          </a:p>
+          <a:p>
+            <a:pPr marL="0" indent="0">
+              <a:lnSpc>
+                <a:spcPct val="80000"/>
+              </a:lnSpc>
+              <a:buNone/>
+            </a:pPr>
+            <a:endParaRPr lang="en-US" sz="1400" dirty="0"/>
+          </a:p>
+          <a:p>
+            <a:pPr marL="0" indent="0">
+              <a:lnSpc>
+                <a:spcPct val="80000"/>
+              </a:lnSpc>
+              <a:buNone/>
+            </a:pPr>
+            <a:endParaRPr lang="en-US" sz="1400" dirty="0"/>
+          </a:p>
+          <a:p>
+            <a:pPr marL="0" indent="0">
+              <a:lnSpc>
+                <a:spcPct val="80000"/>
+              </a:lnSpc>
+              <a:buNone/>
+            </a:pPr>
+            <a:endParaRPr lang="en-US" sz="1400" dirty="0"/>
+          </a:p>
+          <a:p>
+            <a:pPr marL="0" indent="0">
+              <a:lnSpc>
+                <a:spcPct val="80000"/>
+              </a:lnSpc>
+              <a:buNone/>
+            </a:pPr>
+            <a:endParaRPr lang="en-US" dirty="0"/>
+          </a:p>
+          <a:p>
+            <a:pPr marL="0" indent="0">
+              <a:lnSpc>
+                <a:spcPct val="80000"/>
+              </a:lnSpc>
+              <a:buNone/>
+            </a:pPr>
+            <a:endParaRPr lang="en-US" dirty="0"/>
+          </a:p>
+        </p:txBody>
+      </p:sp>
+      <p:pic>
+        <p:nvPicPr>
+          <p:cNvPr id="10" name="Picture 9">
+            <a:extLst>
+              <a:ext uri="{FF2B5EF4-FFF2-40B4-BE49-F238E27FC236}">
+                <a16:creationId xmlns:a16="http://schemas.microsoft.com/office/drawing/2014/main" id="{E9084EED-F390-CD48-842C-FC5044AAF2C4}"/>
+              </a:ext>
+            </a:extLst>
+          </p:cNvPr>
+          <p:cNvPicPr>
+            <a:picLocks noChangeAspect="1"/>
+          </p:cNvPicPr>
+          <p:nvPr/>
+        </p:nvPicPr>
+        <p:blipFill>
+          <a:blip r:embed="rId2">
+            <a:extLst>
+              <a:ext uri="{28A0092B-C50C-407E-A947-70E740481C1C}">
+                <a14:useLocalDpi xmlns:a14="http://schemas.microsoft.com/office/drawing/2010/main" val="0"/>
+              </a:ext>
+            </a:extLst>
+          </a:blip>
+          <a:stretch>
+            <a:fillRect/>
+          </a:stretch>
+        </p:blipFill>
+        <p:spPr>
+          <a:xfrm>
+            <a:off x="6425482" y="1505200"/>
+            <a:ext cx="2468880" cy="1645920"/>
+          </a:xfrm>
+          <a:prstGeom prst="rect">
+            <a:avLst/>
+          </a:prstGeom>
+        </p:spPr>
+      </p:pic>
+      <p:pic>
+        <p:nvPicPr>
+          <p:cNvPr id="14" name="Picture 13">
+            <a:extLst>
+              <a:ext uri="{FF2B5EF4-FFF2-40B4-BE49-F238E27FC236}">
+                <a16:creationId xmlns:a16="http://schemas.microsoft.com/office/drawing/2014/main" id="{E29316E7-DB31-C740-9303-FF9D5B43FFE0}"/>
+              </a:ext>
+            </a:extLst>
+          </p:cNvPr>
+          <p:cNvPicPr>
+            <a:picLocks noChangeAspect="1"/>
+          </p:cNvPicPr>
+          <p:nvPr/>
+        </p:nvPicPr>
+        <p:blipFill>
+          <a:blip r:embed="rId3">
+            <a:extLst>
+              <a:ext uri="{28A0092B-C50C-407E-A947-70E740481C1C}">
+                <a14:useLocalDpi xmlns:a14="http://schemas.microsoft.com/office/drawing/2010/main" val="0"/>
+              </a:ext>
+            </a:extLst>
+          </a:blip>
+          <a:stretch>
+            <a:fillRect/>
+          </a:stretch>
+        </p:blipFill>
+        <p:spPr>
+          <a:xfrm>
+            <a:off x="6444216" y="3192369"/>
+            <a:ext cx="2468880" cy="1645920"/>
+          </a:xfrm>
+          <a:prstGeom prst="rect">
+            <a:avLst/>
+          </a:prstGeom>
+        </p:spPr>
+      </p:pic>
+      <p:pic>
+        <p:nvPicPr>
+          <p:cNvPr id="16" name="Picture 15">
+            <a:extLst>
+              <a:ext uri="{FF2B5EF4-FFF2-40B4-BE49-F238E27FC236}">
+                <a16:creationId xmlns:a16="http://schemas.microsoft.com/office/drawing/2014/main" id="{05F7ACB9-A35C-AB48-A20F-B0DA8F7F9EB0}"/>
+              </a:ext>
+            </a:extLst>
+          </p:cNvPr>
+          <p:cNvPicPr>
+            <a:picLocks noChangeAspect="1"/>
+          </p:cNvPicPr>
+          <p:nvPr/>
+        </p:nvPicPr>
+        <p:blipFill>
+          <a:blip r:embed="rId4">
+            <a:extLst>
+              <a:ext uri="{28A0092B-C50C-407E-A947-70E740481C1C}">
+                <a14:useLocalDpi xmlns:a14="http://schemas.microsoft.com/office/drawing/2010/main" val="0"/>
+              </a:ext>
+            </a:extLst>
+          </a:blip>
+          <a:stretch>
+            <a:fillRect/>
+          </a:stretch>
+        </p:blipFill>
+        <p:spPr>
+          <a:xfrm>
+            <a:off x="6516216" y="4879538"/>
+            <a:ext cx="2468880" cy="1645920"/>
+          </a:xfrm>
+          <a:prstGeom prst="rect">
+            <a:avLst/>
+          </a:prstGeom>
+        </p:spPr>
+      </p:pic>
+    </p:spTree>
+    <p:extLst>
+      <p:ext uri="{BB962C8B-B14F-4D97-AF65-F5344CB8AC3E}">
+        <p14:creationId xmlns:p14="http://schemas.microsoft.com/office/powerpoint/2010/main" val="2223751847"/>
+      </p:ext>
+    </p:extLst>
+  </p:cSld>
+  <p:clrMapOvr>
+    <a:masterClrMapping/>
+  </p:clrMapOvr>
+</p:sld>
+</file>
+
+<file path=ppt/slides/slide9.xml><?xml version="1.0" encoding="utf-8"?>
+<p:sld xmlns:a="http://schemas.openxmlformats.org/drawingml/2006/main" xmlns:r="http://schemas.openxmlformats.org/officeDocument/2006/relationships" xmlns:p="http://schemas.openxmlformats.org/presentationml/2006/main">
+  <p:cSld>
+    <p:spTree>
+      <p:nvGrpSpPr>
+        <p:cNvPr id="1" name=""/>
+        <p:cNvGrpSpPr/>
+        <p:nvPr/>
+      </p:nvGrpSpPr>
+      <p:grpSpPr>
+        <a:xfrm>
+          <a:off x="0" y="0"/>
+          <a:ext cx="0" cy="0"/>
+          <a:chOff x="0" y="0"/>
+          <a:chExt cx="0" cy="0"/>
+        </a:xfrm>
+      </p:grpSpPr>
+      <p:sp>
+        <p:nvSpPr>
+          <p:cNvPr id="195586" name="Rectangle 2"/>
+          <p:cNvSpPr>
+            <a:spLocks noGrp="1" noChangeArrowheads="1"/>
+          </p:cNvSpPr>
+          <p:nvPr>
+            <p:ph type="title"/>
+          </p:nvPr>
+        </p:nvSpPr>
+        <p:spPr>
+          <a:xfrm>
+            <a:off x="1908175" y="404813"/>
+            <a:ext cx="6767513" cy="1079500"/>
+          </a:xfrm>
+        </p:spPr>
+        <p:txBody>
+          <a:bodyPr/>
+          <a:lstStyle/>
+          <a:p>
+            <a:r>
+              <a:rPr lang="en-US" sz="2300" dirty="0"/>
+              <a:t>Plotting the Data:</a:t>
+            </a:r>
+            <a:br>
+              <a:rPr lang="en-US" sz="2300" dirty="0"/>
+            </a:br>
+            <a:r>
+              <a:rPr lang="en-US" sz="2300" dirty="0"/>
+              <a:t>Weather Conditions the Day a Fire Starts - Humidity</a:t>
+            </a:r>
+          </a:p>
+        </p:txBody>
+      </p:sp>
+      <p:sp>
+        <p:nvSpPr>
+          <p:cNvPr id="195587" name="Rectangle 3"/>
+          <p:cNvSpPr>
+            <a:spLocks noGrp="1" noChangeArrowheads="1"/>
+          </p:cNvSpPr>
+          <p:nvPr>
+            <p:ph type="body" idx="1"/>
+          </p:nvPr>
+        </p:nvSpPr>
+        <p:spPr>
+          <a:xfrm>
+            <a:off x="1908175" y="1700213"/>
+            <a:ext cx="6778625" cy="4968875"/>
+          </a:xfrm>
+        </p:spPr>
+        <p:txBody>
+          <a:bodyPr/>
+          <a:lstStyle/>
+          <a:p>
+            <a:pPr>
+              <a:lnSpc>
+                <a:spcPct val="80000"/>
+              </a:lnSpc>
+            </a:pPr>
+            <a:r>
+              <a:rPr lang="en-US" sz="1600" dirty="0"/>
+              <a:t>Does the daily weather conditions increase</a:t>
+            </a:r>
+          </a:p>
+          <a:p>
+            <a:pPr marL="457200" lvl="1" indent="0">
+              <a:lnSpc>
+                <a:spcPct val="80000"/>
+              </a:lnSpc>
+              <a:buNone/>
+            </a:pPr>
+            <a:r>
+              <a:rPr lang="en-US" sz="1600" dirty="0"/>
+              <a:t>the likelihood a fire will break out?</a:t>
+            </a:r>
+          </a:p>
+          <a:p>
+            <a:pPr marL="457200" lvl="1" indent="0">
+              <a:lnSpc>
+                <a:spcPct val="80000"/>
+              </a:lnSpc>
+              <a:buNone/>
+            </a:pPr>
+            <a:r>
+              <a:rPr lang="en-US" sz="1600" dirty="0"/>
+              <a:t> </a:t>
+            </a:r>
+          </a:p>
+          <a:p>
+            <a:pPr>
+              <a:lnSpc>
+                <a:spcPct val="80000"/>
+              </a:lnSpc>
+            </a:pPr>
+            <a:r>
+              <a:rPr lang="en-US" sz="1600" dirty="0"/>
+              <a:t>Do humidity levels lead to fires? </a:t>
+            </a:r>
+          </a:p>
+          <a:p>
+            <a:pPr>
+              <a:lnSpc>
+                <a:spcPct val="80000"/>
+              </a:lnSpc>
+            </a:pPr>
+            <a:endParaRPr lang="en-US" sz="1600" dirty="0"/>
+          </a:p>
+          <a:p>
+            <a:pPr>
+              <a:lnSpc>
+                <a:spcPct val="80000"/>
+              </a:lnSpc>
+            </a:pPr>
+            <a:r>
+              <a:rPr lang="en-US" sz="1600" dirty="0"/>
+              <a:t>Is there a “fire season” when fires are more</a:t>
+            </a:r>
+          </a:p>
+          <a:p>
+            <a:pPr marL="457200" lvl="1" indent="0">
+              <a:lnSpc>
+                <a:spcPct val="80000"/>
+              </a:lnSpc>
+              <a:buNone/>
+            </a:pPr>
+            <a:r>
+              <a:rPr lang="en-US" sz="1600" dirty="0"/>
+              <a:t>likely to break out? </a:t>
+            </a:r>
+          </a:p>
+          <a:p>
+            <a:pPr marL="0" indent="0">
+              <a:lnSpc>
+                <a:spcPct val="80000"/>
+              </a:lnSpc>
+              <a:buNone/>
+            </a:pPr>
+            <a:endParaRPr lang="en-US" sz="1600" dirty="0"/>
+          </a:p>
+          <a:p>
+            <a:pPr marL="0" indent="0">
+              <a:lnSpc>
+                <a:spcPct val="80000"/>
+              </a:lnSpc>
+              <a:buNone/>
+            </a:pPr>
+            <a:r>
+              <a:rPr lang="en-US" sz="1600" dirty="0"/>
+              <a:t>Conclusion:</a:t>
+            </a:r>
+          </a:p>
+          <a:p>
+            <a:pPr marL="0" indent="0">
+              <a:lnSpc>
+                <a:spcPct val="80000"/>
+              </a:lnSpc>
+              <a:buNone/>
+            </a:pPr>
+            <a:endParaRPr lang="en-US" sz="1600" dirty="0"/>
+          </a:p>
+          <a:p>
+            <a:pPr marL="0" indent="0">
+              <a:lnSpc>
+                <a:spcPct val="80000"/>
+              </a:lnSpc>
+              <a:buNone/>
+            </a:pPr>
+            <a:r>
+              <a:rPr lang="en-US" sz="1600" dirty="0"/>
+              <a:t>Lower levels of humidity do have some</a:t>
+            </a:r>
+          </a:p>
+          <a:p>
+            <a:pPr marL="0" indent="0">
+              <a:lnSpc>
+                <a:spcPct val="80000"/>
+              </a:lnSpc>
+              <a:buNone/>
+            </a:pPr>
+            <a:r>
+              <a:rPr lang="en-US" sz="1600" dirty="0"/>
+              <a:t>effect on fires breaking out.</a:t>
+            </a:r>
+          </a:p>
+          <a:p>
+            <a:pPr marL="0" indent="0">
+              <a:lnSpc>
+                <a:spcPct val="80000"/>
+              </a:lnSpc>
+              <a:buNone/>
+            </a:pPr>
+            <a:endParaRPr lang="en-US" sz="1400" dirty="0"/>
+          </a:p>
+          <a:p>
+            <a:pPr marL="0" indent="0">
+              <a:lnSpc>
+                <a:spcPct val="80000"/>
+              </a:lnSpc>
+              <a:buNone/>
+            </a:pPr>
+            <a:endParaRPr lang="en-US" sz="1400" dirty="0"/>
+          </a:p>
+          <a:p>
+            <a:pPr marL="0" indent="0">
+              <a:lnSpc>
+                <a:spcPct val="80000"/>
+              </a:lnSpc>
+              <a:buNone/>
+            </a:pPr>
+            <a:endParaRPr lang="en-US" sz="1400" dirty="0"/>
+          </a:p>
+          <a:p>
+            <a:pPr marL="0" indent="0">
+              <a:lnSpc>
+                <a:spcPct val="80000"/>
+              </a:lnSpc>
+              <a:buNone/>
+            </a:pPr>
+            <a:endParaRPr lang="en-US" sz="1400" dirty="0"/>
+          </a:p>
+          <a:p>
+            <a:pPr marL="0" indent="0">
+              <a:lnSpc>
+                <a:spcPct val="80000"/>
+              </a:lnSpc>
+              <a:buNone/>
+            </a:pPr>
+            <a:endParaRPr lang="en-US" dirty="0"/>
+          </a:p>
+          <a:p>
+            <a:pPr marL="0" indent="0">
+              <a:lnSpc>
+                <a:spcPct val="80000"/>
+              </a:lnSpc>
+              <a:buNone/>
+            </a:pPr>
+            <a:endParaRPr lang="en-US" dirty="0"/>
+          </a:p>
+        </p:txBody>
+      </p:sp>
+      <p:pic>
+        <p:nvPicPr>
+          <p:cNvPr id="3" name="Picture 2">
+            <a:extLst>
+              <a:ext uri="{FF2B5EF4-FFF2-40B4-BE49-F238E27FC236}">
+                <a16:creationId xmlns:a16="http://schemas.microsoft.com/office/drawing/2014/main" id="{071A3730-C4E1-334A-AD46-576DAFE0F5E8}"/>
+              </a:ext>
+            </a:extLst>
+          </p:cNvPr>
+          <p:cNvPicPr>
+            <a:picLocks noChangeAspect="1"/>
+          </p:cNvPicPr>
+          <p:nvPr/>
+        </p:nvPicPr>
+        <p:blipFill>
+          <a:blip r:embed="rId2">
+            <a:extLst>
+              <a:ext uri="{28A0092B-C50C-407E-A947-70E740481C1C}">
+                <a14:useLocalDpi xmlns:a14="http://schemas.microsoft.com/office/drawing/2010/main" val="0"/>
+              </a:ext>
+            </a:extLst>
+          </a:blip>
+          <a:stretch>
+            <a:fillRect/>
+          </a:stretch>
+        </p:blipFill>
+        <p:spPr>
+          <a:xfrm>
+            <a:off x="6460994" y="4915218"/>
+            <a:ext cx="2468880" cy="1645920"/>
+          </a:xfrm>
+          <a:prstGeom prst="rect">
+            <a:avLst/>
+          </a:prstGeom>
+        </p:spPr>
+      </p:pic>
+      <p:pic>
+        <p:nvPicPr>
+          <p:cNvPr id="5" name="Picture 4">
+            <a:extLst>
+              <a:ext uri="{FF2B5EF4-FFF2-40B4-BE49-F238E27FC236}">
+                <a16:creationId xmlns:a16="http://schemas.microsoft.com/office/drawing/2014/main" id="{B458A291-CF22-5E41-8E71-13A039BA5EFE}"/>
+              </a:ext>
+            </a:extLst>
+          </p:cNvPr>
+          <p:cNvPicPr>
+            <a:picLocks noChangeAspect="1"/>
+          </p:cNvPicPr>
+          <p:nvPr/>
+        </p:nvPicPr>
+        <p:blipFill>
+          <a:blip r:embed="rId3">
+            <a:extLst>
+              <a:ext uri="{28A0092B-C50C-407E-A947-70E740481C1C}">
+                <a14:useLocalDpi xmlns:a14="http://schemas.microsoft.com/office/drawing/2010/main" val="0"/>
+              </a:ext>
+            </a:extLst>
+          </a:blip>
+          <a:stretch>
+            <a:fillRect/>
+          </a:stretch>
+        </p:blipFill>
+        <p:spPr>
+          <a:xfrm>
+            <a:off x="6460994" y="3269298"/>
+            <a:ext cx="2468880" cy="1645920"/>
+          </a:xfrm>
+          <a:prstGeom prst="rect">
+            <a:avLst/>
+          </a:prstGeom>
+        </p:spPr>
+      </p:pic>
+      <p:pic>
+        <p:nvPicPr>
+          <p:cNvPr id="7" name="Picture 6">
+            <a:extLst>
+              <a:ext uri="{FF2B5EF4-FFF2-40B4-BE49-F238E27FC236}">
+                <a16:creationId xmlns:a16="http://schemas.microsoft.com/office/drawing/2014/main" id="{8F6E3E82-6897-8847-9D15-53AABB2A6824}"/>
+              </a:ext>
+            </a:extLst>
+          </p:cNvPr>
+          <p:cNvPicPr>
+            <a:picLocks noChangeAspect="1"/>
+          </p:cNvPicPr>
+          <p:nvPr/>
+        </p:nvPicPr>
+        <p:blipFill>
+          <a:blip r:embed="rId4">
+            <a:extLst>
+              <a:ext uri="{28A0092B-C50C-407E-A947-70E740481C1C}">
+                <a14:useLocalDpi xmlns:a14="http://schemas.microsoft.com/office/drawing/2010/main" val="0"/>
+              </a:ext>
+            </a:extLst>
+          </a:blip>
+          <a:stretch>
+            <a:fillRect/>
+          </a:stretch>
+        </p:blipFill>
+        <p:spPr>
+          <a:xfrm>
+            <a:off x="6460994" y="1623378"/>
+            <a:ext cx="2468880" cy="1645920"/>
+          </a:xfrm>
+          <a:prstGeom prst="rect">
+            <a:avLst/>
+          </a:prstGeom>
+        </p:spPr>
+      </p:pic>
+    </p:spTree>
+    <p:extLst>
+      <p:ext uri="{BB962C8B-B14F-4D97-AF65-F5344CB8AC3E}">
+        <p14:creationId xmlns:p14="http://schemas.microsoft.com/office/powerpoint/2010/main" val="2693467877"/>
       </p:ext>
     </p:extLst>
   </p:cSld>
